--- a/Guide/presentation.pptx
+++ b/Guide/presentation.pptx
@@ -6,19 +6,29 @@
     <p:sldMasterId id="2147483698" r:id="rId2"/>
   </p:sldMasterIdLst>
   <p:notesMasterIdLst>
-    <p:notesMasterId r:id="rId10"/>
+    <p:notesMasterId r:id="rId20"/>
   </p:notesMasterIdLst>
   <p:handoutMasterIdLst>
-    <p:handoutMasterId r:id="rId11"/>
+    <p:handoutMasterId r:id="rId21"/>
   </p:handoutMasterIdLst>
   <p:sldIdLst>
     <p:sldId id="265" r:id="rId3"/>
-    <p:sldId id="264" r:id="rId4"/>
-    <p:sldId id="262" r:id="rId5"/>
-    <p:sldId id="267" r:id="rId6"/>
-    <p:sldId id="268" r:id="rId7"/>
+    <p:sldId id="271" r:id="rId4"/>
+    <p:sldId id="264" r:id="rId5"/>
+    <p:sldId id="262" r:id="rId6"/>
+    <p:sldId id="267" r:id="rId7"/>
     <p:sldId id="269" r:id="rId8"/>
-    <p:sldId id="263" r:id="rId9"/>
+    <p:sldId id="279" r:id="rId9"/>
+    <p:sldId id="275" r:id="rId10"/>
+    <p:sldId id="276" r:id="rId11"/>
+    <p:sldId id="280" r:id="rId12"/>
+    <p:sldId id="277" r:id="rId13"/>
+    <p:sldId id="272" r:id="rId14"/>
+    <p:sldId id="274" r:id="rId15"/>
+    <p:sldId id="273" r:id="rId16"/>
+    <p:sldId id="278" r:id="rId17"/>
+    <p:sldId id="281" r:id="rId18"/>
+    <p:sldId id="263" r:id="rId19"/>
   </p:sldIdLst>
   <p:sldSz cx="9144000" cy="5143500" type="screen16x9"/>
   <p:notesSz cx="6858000" cy="9144000"/>
@@ -219,7 +229,7 @@
             <a:fld id="{19412975-4CFD-C441-A244-B7FD9A9579C2}" type="datetimeFigureOut">
               <a:rPr lang="en-US" smtClean="0"/>
               <a:pPr/>
-              <a:t>4/8/2025</a:t>
+              <a:t>6/25/2025</a:t>
             </a:fld>
             <a:endParaRPr lang="en-US"/>
           </a:p>
@@ -387,7 +397,7 @@
             <a:fld id="{6DAFD1C8-470D-774F-8B40-381C3059BD4A}" type="datetimeFigureOut">
               <a:rPr lang="en-US" smtClean="0"/>
               <a:pPr/>
-              <a:t>4/8/2025</a:t>
+              <a:t>6/25/2025</a:t>
             </a:fld>
             <a:endParaRPr lang="en-US"/>
           </a:p>
@@ -722,7 +732,7 @@
             <a:fld id="{F449711C-DB87-6342-8123-FE7E39EB0067}" type="slidenum">
               <a:rPr lang="en-US" smtClean="0"/>
               <a:pPr/>
-              <a:t>3</a:t>
+              <a:t>4</a:t>
             </a:fld>
             <a:endParaRPr lang="en-US"/>
           </a:p>
@@ -4656,16 +4666,37 @@
         </p:nvSpPr>
         <p:spPr>
           <a:xfrm>
-            <a:off x="1371600" y="2104557"/>
+            <a:off x="1282390" y="1866695"/>
             <a:ext cx="6400800" cy="705749"/>
           </a:xfrm>
         </p:spPr>
         <p:txBody>
           <a:bodyPr>
-            <a:normAutofit/>
+            <a:normAutofit fontScale="90000"/>
           </a:bodyPr>
           <a:lstStyle/>
           <a:p>
+            <a:r>
+              <a:rPr lang="en-US" sz="2400" b="0" i="0" dirty="0">
+                <a:effectLst/>
+                <a:latin typeface="Cambria" panose="02040503050406030204" pitchFamily="18" charset="0"/>
+                <a:ea typeface="Cambria" panose="02040503050406030204" pitchFamily="18" charset="0"/>
+              </a:rPr>
+              <a:t>Fina</a:t>
+            </a:r>
+            <a:r>
+              <a:rPr lang="en-US" sz="2400" dirty="0">
+                <a:latin typeface="Cambria" panose="02040503050406030204" pitchFamily="18" charset="0"/>
+                <a:ea typeface="Cambria" panose="02040503050406030204" pitchFamily="18" charset="0"/>
+              </a:rPr>
+              <a:t>l Project:</a:t>
+            </a:r>
+            <a:br>
+              <a:rPr lang="en-US" sz="2400" dirty="0">
+                <a:latin typeface="Cambria" panose="02040503050406030204" pitchFamily="18" charset="0"/>
+                <a:ea typeface="Cambria" panose="02040503050406030204" pitchFamily="18" charset="0"/>
+              </a:rPr>
+            </a:br>
             <a:r>
               <a:rPr lang="ru-RU" sz="2400" b="0" i="0" dirty="0">
                 <a:effectLst/>
@@ -4693,13 +4724,13 @@
         </p:nvSpPr>
         <p:spPr>
           <a:xfrm>
-            <a:off x="1371599" y="3637205"/>
+            <a:off x="1371599" y="3405193"/>
             <a:ext cx="6680579" cy="893852"/>
           </a:xfrm>
         </p:spPr>
         <p:txBody>
           <a:bodyPr>
-            <a:normAutofit fontScale="85000" lnSpcReduction="20000"/>
+            <a:normAutofit fontScale="62500" lnSpcReduction="20000"/>
           </a:bodyPr>
           <a:lstStyle/>
           <a:p>
@@ -4716,14 +4747,21 @@
                 <a:latin typeface="Cambria" panose="02040503050406030204" pitchFamily="18" charset="0"/>
                 <a:ea typeface="Cambria" panose="02040503050406030204" pitchFamily="18" charset="0"/>
               </a:rPr>
-              <a:t>       </a:t>
-            </a:r>
+              <a:t>     </a:t>
+            </a:r>
+            <a:endParaRPr lang="en-US" sz="2000" dirty="0">
+              <a:latin typeface="Cambria" panose="02040503050406030204" pitchFamily="18" charset="0"/>
+              <a:ea typeface="Cambria" panose="02040503050406030204" pitchFamily="18" charset="0"/>
+            </a:endParaRPr>
+          </a:p>
+          <a:p>
+            <a:pPr algn="just"/>
             <a:r>
               <a:rPr lang="ru-RU" sz="2000" dirty="0">
                 <a:latin typeface="Cambria" panose="02040503050406030204" pitchFamily="18" charset="0"/>
                 <a:ea typeface="Cambria" panose="02040503050406030204" pitchFamily="18" charset="0"/>
               </a:rPr>
-              <a:t>- Илья </a:t>
+              <a:t>- Андреевич Илья </a:t>
             </a:r>
             <a:r>
               <a:rPr lang="en-US" sz="2000" dirty="0">
@@ -4749,7 +4787,7 @@
               </a:rPr>
               <a:t>ifmo.ru</a:t>
             </a:r>
-            <a:endParaRPr lang="vi-VN" sz="2000" dirty="0">
+            <a:endParaRPr lang="en-US" sz="2000" dirty="0">
               <a:latin typeface="Cambria" panose="02040503050406030204" pitchFamily="18" charset="0"/>
               <a:ea typeface="Cambria" panose="02040503050406030204" pitchFamily="18" charset="0"/>
             </a:endParaRPr>
@@ -4757,57 +4795,83 @@
           <a:p>
             <a:pPr algn="just"/>
             <a:r>
+              <a:rPr lang="en-US" sz="2000" dirty="0">
+                <a:latin typeface="Cambria" panose="02040503050406030204" pitchFamily="18" charset="0"/>
+                <a:ea typeface="Cambria" panose="02040503050406030204" pitchFamily="18" charset="0"/>
+              </a:rPr>
+              <a:t>- </a:t>
+            </a:r>
+            <a:r>
+              <a:rPr lang="ru-RU" sz="2000" dirty="0">
+                <a:latin typeface="Cambria" panose="02040503050406030204" pitchFamily="18" charset="0"/>
+                <a:ea typeface="Cambria" panose="02040503050406030204" pitchFamily="18" charset="0"/>
+              </a:rPr>
+              <a:t>Басиони Абдельсалам </a:t>
+            </a:r>
+            <a:r>
+              <a:rPr lang="en-US" sz="2000" dirty="0">
+                <a:latin typeface="Cambria" panose="02040503050406030204" pitchFamily="18" charset="0"/>
+                <a:ea typeface="Cambria" panose="02040503050406030204" pitchFamily="18" charset="0"/>
+                <a:hlinkClick r:id="rId4"/>
+              </a:rPr>
+              <a:t>abdelsalam.basyony@mail.ru</a:t>
+            </a:r>
+            <a:endParaRPr lang="en-US" sz="2000" dirty="0">
+              <a:latin typeface="Cambria" panose="02040503050406030204" pitchFamily="18" charset="0"/>
+              <a:ea typeface="Cambria" panose="02040503050406030204" pitchFamily="18" charset="0"/>
+            </a:endParaRPr>
+          </a:p>
+          <a:p>
+            <a:pPr algn="just"/>
+            <a:r>
+              <a:rPr lang="nl-NL" sz="2000" dirty="0">
+                <a:latin typeface="Cambria" panose="02040503050406030204" pitchFamily="18" charset="0"/>
+                <a:ea typeface="Cambria" panose="02040503050406030204" pitchFamily="18" charset="0"/>
+              </a:rPr>
+              <a:t>- </a:t>
+            </a:r>
+            <a:r>
+              <a:rPr lang="ru-RU" sz="2000" dirty="0">
+                <a:latin typeface="Cambria" panose="02040503050406030204" pitchFamily="18" charset="0"/>
+                <a:ea typeface="Cambria" panose="02040503050406030204" pitchFamily="18" charset="0"/>
+              </a:rPr>
+              <a:t>Май </a:t>
+            </a:r>
+            <a:r>
+              <a:rPr lang="ru-RU" sz="2000" dirty="0" err="1">
+                <a:latin typeface="Cambria" panose="02040503050406030204" pitchFamily="18" charset="0"/>
+                <a:ea typeface="Cambria" panose="02040503050406030204" pitchFamily="18" charset="0"/>
+              </a:rPr>
+              <a:t>Хоанг</a:t>
+            </a:r>
+            <a:r>
+              <a:rPr lang="ru-RU" sz="2000" dirty="0">
+                <a:latin typeface="Cambria" panose="02040503050406030204" pitchFamily="18" charset="0"/>
+                <a:ea typeface="Cambria" panose="02040503050406030204" pitchFamily="18" charset="0"/>
+              </a:rPr>
+              <a:t> Куан</a:t>
+            </a:r>
+            <a:r>
               <a:rPr lang="vi-VN" sz="2000" dirty="0">
                 <a:latin typeface="Cambria" panose="02040503050406030204" pitchFamily="18" charset="0"/>
                 <a:ea typeface="Cambria" panose="02040503050406030204" pitchFamily="18" charset="0"/>
               </a:rPr>
-              <a:t>				      </a:t>
-            </a:r>
-            <a:r>
-              <a:rPr lang="en-US" sz="2000" dirty="0">
+              <a:t>, </a:t>
+            </a:r>
+            <a:r>
+              <a:rPr lang="vi-VN" sz="2100" u="sng" dirty="0">
+                <a:solidFill>
+                  <a:srgbClr val="00B0F0"/>
+                </a:solidFill>
                 <a:latin typeface="Cambria" panose="02040503050406030204" pitchFamily="18" charset="0"/>
                 <a:ea typeface="Cambria" panose="02040503050406030204" pitchFamily="18" charset="0"/>
               </a:rPr>
-              <a:t>- Abdelsalam </a:t>
-            </a:r>
-          </a:p>
-          <a:p>
-            <a:r>
-              <a:rPr lang="vi-VN" sz="2000" dirty="0">
-                <a:latin typeface="Cambria" panose="02040503050406030204" pitchFamily="18" charset="0"/>
-                <a:ea typeface="Cambria" panose="02040503050406030204" pitchFamily="18" charset="0"/>
-              </a:rPr>
-              <a:t>                                          </a:t>
-            </a:r>
-            <a:r>
-              <a:rPr lang="nl-NL" sz="2000" dirty="0">
-                <a:latin typeface="Cambria" panose="02040503050406030204" pitchFamily="18" charset="0"/>
-                <a:ea typeface="Cambria" panose="02040503050406030204" pitchFamily="18" charset="0"/>
-              </a:rPr>
-              <a:t>-</a:t>
-            </a:r>
-            <a:r>
-              <a:rPr lang="ru-RU" sz="2000" dirty="0">
-                <a:latin typeface="Cambria" panose="02040503050406030204" pitchFamily="18" charset="0"/>
-                <a:ea typeface="Cambria" panose="02040503050406030204" pitchFamily="18" charset="0"/>
-              </a:rPr>
-              <a:t>Май Хоанг Куан</a:t>
-            </a:r>
-            <a:r>
-              <a:rPr lang="vi-VN" sz="2000" dirty="0">
-                <a:latin typeface="Cambria" panose="02040503050406030204" pitchFamily="18" charset="0"/>
-                <a:ea typeface="Cambria" panose="02040503050406030204" pitchFamily="18" charset="0"/>
-              </a:rPr>
-              <a:t>, </a:t>
-            </a:r>
-            <a:r>
-              <a:rPr lang="vi-VN" dirty="0">
-                <a:latin typeface="Cambria" panose="02040503050406030204" pitchFamily="18" charset="0"/>
-                <a:ea typeface="Cambria" panose="02040503050406030204" pitchFamily="18" charset="0"/>
-              </a:rPr>
               <a:t>maihoangquan250205@gmail.com</a:t>
             </a:r>
-            <a:endParaRPr lang="nl-NL" dirty="0">
+            <a:endParaRPr lang="nl-NL" sz="2100" u="sng" dirty="0">
+              <a:solidFill>
+                <a:srgbClr val="00B0F0"/>
+              </a:solidFill>
               <a:latin typeface="Cambria" panose="02040503050406030204" pitchFamily="18" charset="0"/>
               <a:ea typeface="Cambria" panose="02040503050406030204" pitchFamily="18" charset="0"/>
             </a:endParaRPr>
@@ -4818,6 +4882,1424 @@
     <p:extLst>
       <p:ext uri="{BB962C8B-B14F-4D97-AF65-F5344CB8AC3E}">
         <p14:creationId xmlns:p14="http://schemas.microsoft.com/office/powerpoint/2010/main" val="87172503"/>
+      </p:ext>
+    </p:extLst>
+  </p:cSld>
+  <p:clrMapOvr>
+    <a:masterClrMapping/>
+  </p:clrMapOvr>
+</p:sld>
+</file>
+
+<file path=ppt/slides/slide10.xml><?xml version="1.0" encoding="utf-8"?>
+<p:sld xmlns:a="http://schemas.openxmlformats.org/drawingml/2006/main" xmlns:r="http://schemas.openxmlformats.org/officeDocument/2006/relationships" xmlns:p="http://schemas.openxmlformats.org/presentationml/2006/main">
+  <p:cSld>
+    <p:spTree>
+      <p:nvGrpSpPr>
+        <p:cNvPr id="1" name=""/>
+        <p:cNvGrpSpPr/>
+        <p:nvPr/>
+      </p:nvGrpSpPr>
+      <p:grpSpPr>
+        <a:xfrm>
+          <a:off x="0" y="0"/>
+          <a:ext cx="0" cy="0"/>
+          <a:chOff x="0" y="0"/>
+          <a:chExt cx="0" cy="0"/>
+        </a:xfrm>
+      </p:grpSpPr>
+      <p:pic>
+        <p:nvPicPr>
+          <p:cNvPr id="5" name="Picture 4">
+            <a:extLst>
+              <a:ext uri="{FF2B5EF4-FFF2-40B4-BE49-F238E27FC236}">
+                <a16:creationId xmlns:a16="http://schemas.microsoft.com/office/drawing/2014/main" id="{C438E1D0-247F-D6CD-775E-4145C13C2B5D}"/>
+              </a:ext>
+            </a:extLst>
+          </p:cNvPr>
+          <p:cNvPicPr>
+            <a:picLocks noChangeAspect="1"/>
+          </p:cNvPicPr>
+          <p:nvPr/>
+        </p:nvPicPr>
+        <p:blipFill>
+          <a:blip r:embed="rId2"/>
+          <a:stretch>
+            <a:fillRect/>
+          </a:stretch>
+        </p:blipFill>
+        <p:spPr>
+          <a:xfrm>
+            <a:off x="806400" y="1047560"/>
+            <a:ext cx="3844800" cy="1524190"/>
+          </a:xfrm>
+          <a:prstGeom prst="rect">
+            <a:avLst/>
+          </a:prstGeom>
+        </p:spPr>
+      </p:pic>
+      <p:pic>
+        <p:nvPicPr>
+          <p:cNvPr id="9" name="Picture 8">
+            <a:extLst>
+              <a:ext uri="{FF2B5EF4-FFF2-40B4-BE49-F238E27FC236}">
+                <a16:creationId xmlns:a16="http://schemas.microsoft.com/office/drawing/2014/main" id="{FACAD7FB-6EAF-A670-3BC1-63A6C6C3BF6E}"/>
+              </a:ext>
+            </a:extLst>
+          </p:cNvPr>
+          <p:cNvPicPr>
+            <a:picLocks noChangeAspect="1"/>
+          </p:cNvPicPr>
+          <p:nvPr/>
+        </p:nvPicPr>
+        <p:blipFill>
+          <a:blip r:embed="rId3"/>
+          <a:stretch>
+            <a:fillRect/>
+          </a:stretch>
+        </p:blipFill>
+        <p:spPr>
+          <a:xfrm>
+            <a:off x="806400" y="2887145"/>
+            <a:ext cx="3931200" cy="1533656"/>
+          </a:xfrm>
+          <a:prstGeom prst="rect">
+            <a:avLst/>
+          </a:prstGeom>
+        </p:spPr>
+      </p:pic>
+      <p:pic>
+        <p:nvPicPr>
+          <p:cNvPr id="13" name="Picture 12">
+            <a:extLst>
+              <a:ext uri="{FF2B5EF4-FFF2-40B4-BE49-F238E27FC236}">
+                <a16:creationId xmlns:a16="http://schemas.microsoft.com/office/drawing/2014/main" id="{6DA0EA52-1BA2-D1D3-68C5-199C04F942BD}"/>
+              </a:ext>
+            </a:extLst>
+          </p:cNvPr>
+          <p:cNvPicPr>
+            <a:picLocks noChangeAspect="1"/>
+          </p:cNvPicPr>
+          <p:nvPr/>
+        </p:nvPicPr>
+        <p:blipFill>
+          <a:blip r:embed="rId4"/>
+          <a:stretch>
+            <a:fillRect/>
+          </a:stretch>
+        </p:blipFill>
+        <p:spPr>
+          <a:xfrm>
+            <a:off x="5082150" y="1047560"/>
+            <a:ext cx="3307026" cy="1524190"/>
+          </a:xfrm>
+          <a:prstGeom prst="rect">
+            <a:avLst/>
+          </a:prstGeom>
+        </p:spPr>
+      </p:pic>
+    </p:spTree>
+    <p:extLst>
+      <p:ext uri="{BB962C8B-B14F-4D97-AF65-F5344CB8AC3E}">
+        <p14:creationId xmlns:p14="http://schemas.microsoft.com/office/powerpoint/2010/main" val="522587564"/>
+      </p:ext>
+    </p:extLst>
+  </p:cSld>
+  <p:clrMapOvr>
+    <a:masterClrMapping/>
+  </p:clrMapOvr>
+</p:sld>
+</file>
+
+<file path=ppt/slides/slide11.xml><?xml version="1.0" encoding="utf-8"?>
+<p:sld xmlns:a="http://schemas.openxmlformats.org/drawingml/2006/main" xmlns:r="http://schemas.openxmlformats.org/officeDocument/2006/relationships" xmlns:p="http://schemas.openxmlformats.org/presentationml/2006/main">
+  <p:cSld>
+    <p:spTree>
+      <p:nvGrpSpPr>
+        <p:cNvPr id="1" name="">
+          <a:extLst>
+            <a:ext uri="{FF2B5EF4-FFF2-40B4-BE49-F238E27FC236}">
+              <a16:creationId xmlns:a16="http://schemas.microsoft.com/office/drawing/2014/main" id="{2AA327FE-3932-B3D0-CA9F-F641482FD072}"/>
+            </a:ext>
+          </a:extLst>
+        </p:cNvPr>
+        <p:cNvGrpSpPr/>
+        <p:nvPr/>
+      </p:nvGrpSpPr>
+      <p:grpSpPr>
+        <a:xfrm>
+          <a:off x="0" y="0"/>
+          <a:ext cx="0" cy="0"/>
+          <a:chOff x="0" y="0"/>
+          <a:chExt cx="0" cy="0"/>
+        </a:xfrm>
+      </p:grpSpPr>
+      <p:sp>
+        <p:nvSpPr>
+          <p:cNvPr id="10" name="TextBox 9">
+            <a:extLst>
+              <a:ext uri="{FF2B5EF4-FFF2-40B4-BE49-F238E27FC236}">
+                <a16:creationId xmlns:a16="http://schemas.microsoft.com/office/drawing/2014/main" id="{799DA461-78D2-C796-1FB6-A466A52C713F}"/>
+              </a:ext>
+            </a:extLst>
+          </p:cNvPr>
+          <p:cNvSpPr txBox="1"/>
+          <p:nvPr/>
+        </p:nvSpPr>
+        <p:spPr>
+          <a:xfrm>
+            <a:off x="514573" y="689214"/>
+            <a:ext cx="2213218" cy="523220"/>
+          </a:xfrm>
+          <a:prstGeom prst="rect">
+            <a:avLst/>
+          </a:prstGeom>
+          <a:noFill/>
+        </p:spPr>
+        <p:txBody>
+          <a:bodyPr wrap="square" rtlCol="0">
+            <a:spAutoFit/>
+          </a:bodyPr>
+          <a:lstStyle/>
+          <a:p>
+            <a:pPr algn="ctr"/>
+            <a:r>
+              <a:rPr lang="en-US" sz="2800" dirty="0">
+                <a:solidFill>
+                  <a:srgbClr val="000000"/>
+                </a:solidFill>
+                <a:latin typeface="Cambria" panose="02040503050406030204" pitchFamily="18" charset="0"/>
+                <a:ea typeface="Cambria" panose="02040503050406030204" pitchFamily="18" charset="0"/>
+              </a:rPr>
+              <a:t>Deadline</a:t>
+            </a:r>
+            <a:endParaRPr lang="ru-RU" sz="2800" dirty="0">
+              <a:solidFill>
+                <a:srgbClr val="000000"/>
+              </a:solidFill>
+            </a:endParaRPr>
+          </a:p>
+        </p:txBody>
+      </p:sp>
+      <p:pic>
+        <p:nvPicPr>
+          <p:cNvPr id="6" name="Picture 5">
+            <a:extLst>
+              <a:ext uri="{FF2B5EF4-FFF2-40B4-BE49-F238E27FC236}">
+                <a16:creationId xmlns:a16="http://schemas.microsoft.com/office/drawing/2014/main" id="{4D5E7EDE-FB1E-1DA3-92CB-019CDAC79927}"/>
+              </a:ext>
+            </a:extLst>
+          </p:cNvPr>
+          <p:cNvPicPr>
+            <a:picLocks noChangeAspect="1"/>
+          </p:cNvPicPr>
+          <p:nvPr/>
+        </p:nvPicPr>
+        <p:blipFill>
+          <a:blip r:embed="rId2"/>
+          <a:stretch>
+            <a:fillRect/>
+          </a:stretch>
+        </p:blipFill>
+        <p:spPr>
+          <a:xfrm>
+            <a:off x="909373" y="2875825"/>
+            <a:ext cx="3964018" cy="1137763"/>
+          </a:xfrm>
+          <a:prstGeom prst="rect">
+            <a:avLst/>
+          </a:prstGeom>
+        </p:spPr>
+      </p:pic>
+      <p:pic>
+        <p:nvPicPr>
+          <p:cNvPr id="11" name="Picture 10">
+            <a:extLst>
+              <a:ext uri="{FF2B5EF4-FFF2-40B4-BE49-F238E27FC236}">
+                <a16:creationId xmlns:a16="http://schemas.microsoft.com/office/drawing/2014/main" id="{15BAFF7A-D9C0-CD16-EBF4-98F126CFD386}"/>
+              </a:ext>
+            </a:extLst>
+          </p:cNvPr>
+          <p:cNvPicPr>
+            <a:picLocks noChangeAspect="1"/>
+          </p:cNvPicPr>
+          <p:nvPr/>
+        </p:nvPicPr>
+        <p:blipFill>
+          <a:blip r:embed="rId3"/>
+          <a:stretch>
+            <a:fillRect/>
+          </a:stretch>
+        </p:blipFill>
+        <p:spPr>
+          <a:xfrm>
+            <a:off x="909373" y="1542614"/>
+            <a:ext cx="3964018" cy="1196071"/>
+          </a:xfrm>
+          <a:prstGeom prst="rect">
+            <a:avLst/>
+          </a:prstGeom>
+        </p:spPr>
+      </p:pic>
+      <p:pic>
+        <p:nvPicPr>
+          <p:cNvPr id="13" name="Picture 12">
+            <a:extLst>
+              <a:ext uri="{FF2B5EF4-FFF2-40B4-BE49-F238E27FC236}">
+                <a16:creationId xmlns:a16="http://schemas.microsoft.com/office/drawing/2014/main" id="{F4711652-1BFD-660F-8CAE-205AB49C479F}"/>
+              </a:ext>
+            </a:extLst>
+          </p:cNvPr>
+          <p:cNvPicPr>
+            <a:picLocks noChangeAspect="1"/>
+          </p:cNvPicPr>
+          <p:nvPr/>
+        </p:nvPicPr>
+        <p:blipFill>
+          <a:blip r:embed="rId4"/>
+          <a:stretch>
+            <a:fillRect/>
+          </a:stretch>
+        </p:blipFill>
+        <p:spPr>
+          <a:xfrm>
+            <a:off x="5155728" y="1533831"/>
+            <a:ext cx="3305883" cy="2479758"/>
+          </a:xfrm>
+          <a:prstGeom prst="rect">
+            <a:avLst/>
+          </a:prstGeom>
+        </p:spPr>
+      </p:pic>
+      <p:pic>
+        <p:nvPicPr>
+          <p:cNvPr id="15" name="Picture 14">
+            <a:extLst>
+              <a:ext uri="{FF2B5EF4-FFF2-40B4-BE49-F238E27FC236}">
+                <a16:creationId xmlns:a16="http://schemas.microsoft.com/office/drawing/2014/main" id="{A71A3DBA-FCBC-9610-B60D-6493BC8FB730}"/>
+              </a:ext>
+            </a:extLst>
+          </p:cNvPr>
+          <p:cNvPicPr>
+            <a:picLocks noChangeAspect="1"/>
+          </p:cNvPicPr>
+          <p:nvPr/>
+        </p:nvPicPr>
+        <p:blipFill>
+          <a:blip r:embed="rId5"/>
+          <a:stretch>
+            <a:fillRect/>
+          </a:stretch>
+        </p:blipFill>
+        <p:spPr>
+          <a:xfrm>
+            <a:off x="5155728" y="839358"/>
+            <a:ext cx="1228896" cy="581106"/>
+          </a:xfrm>
+          <a:prstGeom prst="rect">
+            <a:avLst/>
+          </a:prstGeom>
+        </p:spPr>
+      </p:pic>
+    </p:spTree>
+    <p:extLst>
+      <p:ext uri="{BB962C8B-B14F-4D97-AF65-F5344CB8AC3E}">
+        <p14:creationId xmlns:p14="http://schemas.microsoft.com/office/powerpoint/2010/main" val="1906560824"/>
+      </p:ext>
+    </p:extLst>
+  </p:cSld>
+  <p:clrMapOvr>
+    <a:masterClrMapping/>
+  </p:clrMapOvr>
+</p:sld>
+</file>
+
+<file path=ppt/slides/slide12.xml><?xml version="1.0" encoding="utf-8"?>
+<p:sld xmlns:a="http://schemas.openxmlformats.org/drawingml/2006/main" xmlns:r="http://schemas.openxmlformats.org/officeDocument/2006/relationships" xmlns:p="http://schemas.openxmlformats.org/presentationml/2006/main">
+  <p:cSld>
+    <p:spTree>
+      <p:nvGrpSpPr>
+        <p:cNvPr id="1" name="">
+          <a:extLst>
+            <a:ext uri="{FF2B5EF4-FFF2-40B4-BE49-F238E27FC236}">
+              <a16:creationId xmlns:a16="http://schemas.microsoft.com/office/drawing/2014/main" id="{93FF3F1F-6B4E-A229-887E-EDB15CA0BBF7}"/>
+            </a:ext>
+          </a:extLst>
+        </p:cNvPr>
+        <p:cNvGrpSpPr/>
+        <p:nvPr/>
+      </p:nvGrpSpPr>
+      <p:grpSpPr>
+        <a:xfrm>
+          <a:off x="0" y="0"/>
+          <a:ext cx="0" cy="0"/>
+          <a:chOff x="0" y="0"/>
+          <a:chExt cx="0" cy="0"/>
+        </a:xfrm>
+      </p:grpSpPr>
+      <p:sp>
+        <p:nvSpPr>
+          <p:cNvPr id="15" name="Title 1">
+            <a:extLst>
+              <a:ext uri="{FF2B5EF4-FFF2-40B4-BE49-F238E27FC236}">
+                <a16:creationId xmlns:a16="http://schemas.microsoft.com/office/drawing/2014/main" id="{9BF38EDB-557F-5F8D-2F79-99E1FF09C4E9}"/>
+              </a:ext>
+            </a:extLst>
+          </p:cNvPr>
+          <p:cNvSpPr>
+            <a:spLocks noGrp="1"/>
+          </p:cNvSpPr>
+          <p:nvPr>
+            <p:ph type="title"/>
+          </p:nvPr>
+        </p:nvSpPr>
+        <p:spPr>
+          <a:xfrm>
+            <a:off x="525439" y="778621"/>
+            <a:ext cx="8229600" cy="620315"/>
+          </a:xfrm>
+        </p:spPr>
+        <p:txBody>
+          <a:bodyPr>
+            <a:normAutofit/>
+          </a:bodyPr>
+          <a:lstStyle/>
+          <a:p>
+            <a:r>
+              <a:rPr lang="en-US" sz="2800" dirty="0">
+                <a:latin typeface="Time  s New Roman"/>
+                <a:ea typeface="Cambria" panose="02040503050406030204" pitchFamily="18" charset="0"/>
+              </a:rPr>
+              <a:t>4</a:t>
+            </a:r>
+            <a:r>
+              <a:rPr lang="vi-VN" sz="2800" dirty="0">
+                <a:latin typeface="Time  s New Roman"/>
+                <a:ea typeface="Cambria" panose="02040503050406030204" pitchFamily="18" charset="0"/>
+              </a:rPr>
+              <a:t>. </a:t>
+            </a:r>
+            <a:r>
+              <a:rPr lang="ru-RU" sz="2800" dirty="0">
+                <a:latin typeface="Time  s New Roman"/>
+              </a:rPr>
+              <a:t>Распределение задач</a:t>
+            </a:r>
+            <a:endParaRPr lang="en-US" sz="2800" dirty="0">
+              <a:latin typeface="Time  s New Roman"/>
+              <a:ea typeface="Cambria" panose="02040503050406030204" pitchFamily="18" charset="0"/>
+            </a:endParaRPr>
+          </a:p>
+        </p:txBody>
+      </p:sp>
+      <p:sp>
+        <p:nvSpPr>
+          <p:cNvPr id="3" name="TextBox 2">
+            <a:extLst>
+              <a:ext uri="{FF2B5EF4-FFF2-40B4-BE49-F238E27FC236}">
+                <a16:creationId xmlns:a16="http://schemas.microsoft.com/office/drawing/2014/main" id="{C1803139-5601-F1DA-D7A0-842DDBA8BB8F}"/>
+              </a:ext>
+            </a:extLst>
+          </p:cNvPr>
+          <p:cNvSpPr txBox="1"/>
+          <p:nvPr/>
+        </p:nvSpPr>
+        <p:spPr>
+          <a:xfrm>
+            <a:off x="873459" y="1528033"/>
+            <a:ext cx="7533561" cy="2308324"/>
+          </a:xfrm>
+          <a:prstGeom prst="rect">
+            <a:avLst/>
+          </a:prstGeom>
+          <a:noFill/>
+        </p:spPr>
+        <p:txBody>
+          <a:bodyPr wrap="square">
+            <a:spAutoFit/>
+          </a:bodyPr>
+          <a:lstStyle/>
+          <a:p>
+            <a:pPr marL="285750" indent="-285750">
+              <a:buFont typeface="Arial" panose="020B0604020202020204" pitchFamily="34" charset="0"/>
+              <a:buChar char="•"/>
+            </a:pPr>
+            <a:r>
+              <a:rPr lang="ru-RU" b="1" dirty="0">
+                <a:latin typeface="Time  s New Roman"/>
+              </a:rPr>
+              <a:t>Неделя 1: </a:t>
+            </a:r>
+            <a:r>
+              <a:rPr lang="ru-RU" dirty="0">
+                <a:latin typeface="Time  s New Roman"/>
+              </a:rPr>
+              <a:t>Разработка пользовательского интерфейса (UI/UX) и базы данных.</a:t>
+            </a:r>
+            <a:endParaRPr lang="vi-VN" dirty="0">
+              <a:latin typeface="Time  s New Roman"/>
+            </a:endParaRPr>
+          </a:p>
+          <a:p>
+            <a:pPr marL="285750" indent="-285750">
+              <a:buFont typeface="Arial" panose="020B0604020202020204" pitchFamily="34" charset="0"/>
+              <a:buChar char="•"/>
+            </a:pPr>
+            <a:r>
+              <a:rPr lang="ru-RU" b="1" dirty="0">
+                <a:latin typeface="Time  s New Roman"/>
+              </a:rPr>
+              <a:t>Неделя 2: </a:t>
+            </a:r>
+            <a:r>
+              <a:rPr lang="ru-RU" dirty="0">
+                <a:latin typeface="Time  s New Roman"/>
+              </a:rPr>
+              <a:t>Реализация функций управления задачами и системы напоминаний.</a:t>
+            </a:r>
+            <a:endParaRPr lang="vi-VN" dirty="0">
+              <a:latin typeface="Time  s New Roman"/>
+            </a:endParaRPr>
+          </a:p>
+          <a:p>
+            <a:pPr marL="285750" indent="-285750">
+              <a:buFont typeface="Arial" panose="020B0604020202020204" pitchFamily="34" charset="0"/>
+              <a:buChar char="•"/>
+            </a:pPr>
+            <a:r>
+              <a:rPr lang="ru-RU" b="1" dirty="0">
+                <a:latin typeface="Time  s New Roman"/>
+              </a:rPr>
+              <a:t>Неделя 3: </a:t>
+            </a:r>
+            <a:r>
+              <a:rPr lang="ru-RU" dirty="0">
+                <a:latin typeface="Time  s New Roman"/>
+              </a:rPr>
+              <a:t>Первая упаковка приложения и проведение комплексного тестирования.</a:t>
+            </a:r>
+            <a:endParaRPr lang="vi-VN" dirty="0">
+              <a:latin typeface="Time  s New Roman"/>
+            </a:endParaRPr>
+          </a:p>
+          <a:p>
+            <a:pPr marL="285750" indent="-285750">
+              <a:buFont typeface="Arial" panose="020B0604020202020204" pitchFamily="34" charset="0"/>
+              <a:buChar char="•"/>
+            </a:pPr>
+            <a:r>
+              <a:rPr lang="ru-RU" b="1" dirty="0">
+                <a:latin typeface="Time  s New Roman"/>
+              </a:rPr>
+              <a:t>Неделя 4: </a:t>
+            </a:r>
+            <a:r>
+              <a:rPr lang="ru-RU" dirty="0">
+                <a:latin typeface="Time  s New Roman"/>
+              </a:rPr>
+              <a:t>По результатам тестирования мы исправляем оставшиеся ошибки и вносим окончательные улучшения в продукт.</a:t>
+            </a:r>
+          </a:p>
+        </p:txBody>
+      </p:sp>
+    </p:spTree>
+    <p:extLst>
+      <p:ext uri="{BB962C8B-B14F-4D97-AF65-F5344CB8AC3E}">
+        <p14:creationId xmlns:p14="http://schemas.microsoft.com/office/powerpoint/2010/main" val="3140585067"/>
+      </p:ext>
+    </p:extLst>
+  </p:cSld>
+  <p:clrMapOvr>
+    <a:masterClrMapping/>
+  </p:clrMapOvr>
+</p:sld>
+</file>
+
+<file path=ppt/slides/slide13.xml><?xml version="1.0" encoding="utf-8"?>
+<p:sld xmlns:a="http://schemas.openxmlformats.org/drawingml/2006/main" xmlns:r="http://schemas.openxmlformats.org/officeDocument/2006/relationships" xmlns:p="http://schemas.openxmlformats.org/presentationml/2006/main">
+  <p:cSld>
+    <p:spTree>
+      <p:nvGrpSpPr>
+        <p:cNvPr id="1" name="">
+          <a:extLst>
+            <a:ext uri="{FF2B5EF4-FFF2-40B4-BE49-F238E27FC236}">
+              <a16:creationId xmlns:a16="http://schemas.microsoft.com/office/drawing/2014/main" id="{1AE49A4F-7D9F-8C88-6A57-80F464068EB6}"/>
+            </a:ext>
+          </a:extLst>
+        </p:cNvPr>
+        <p:cNvGrpSpPr/>
+        <p:nvPr/>
+      </p:nvGrpSpPr>
+      <p:grpSpPr>
+        <a:xfrm>
+          <a:off x="0" y="0"/>
+          <a:ext cx="0" cy="0"/>
+          <a:chOff x="0" y="0"/>
+          <a:chExt cx="0" cy="0"/>
+        </a:xfrm>
+      </p:grpSpPr>
+      <p:sp>
+        <p:nvSpPr>
+          <p:cNvPr id="9" name="TextBox 8">
+            <a:extLst>
+              <a:ext uri="{FF2B5EF4-FFF2-40B4-BE49-F238E27FC236}">
+                <a16:creationId xmlns:a16="http://schemas.microsoft.com/office/drawing/2014/main" id="{592E1AEF-D044-B6C1-5393-2C33D6BEB5C0}"/>
+              </a:ext>
+            </a:extLst>
+          </p:cNvPr>
+          <p:cNvSpPr txBox="1"/>
+          <p:nvPr/>
+        </p:nvSpPr>
+        <p:spPr>
+          <a:xfrm>
+            <a:off x="722956" y="929807"/>
+            <a:ext cx="5725611" cy="523220"/>
+          </a:xfrm>
+          <a:prstGeom prst="rect">
+            <a:avLst/>
+          </a:prstGeom>
+          <a:noFill/>
+        </p:spPr>
+        <p:txBody>
+          <a:bodyPr wrap="square" rtlCol="0">
+            <a:spAutoFit/>
+          </a:bodyPr>
+          <a:lstStyle/>
+          <a:p>
+            <a:r>
+              <a:rPr lang="en-US" sz="2800" b="1" dirty="0">
+                <a:solidFill>
+                  <a:srgbClr val="000000"/>
+                </a:solidFill>
+                <a:latin typeface="Time  s New Roman"/>
+                <a:ea typeface="Cambria" panose="02040503050406030204" pitchFamily="18" charset="0"/>
+              </a:rPr>
+              <a:t>6.</a:t>
+            </a:r>
+            <a:r>
+              <a:rPr lang="vi-VN" sz="2800" b="1" dirty="0">
+                <a:solidFill>
+                  <a:srgbClr val="000000"/>
+                </a:solidFill>
+                <a:latin typeface="Time  s New Roman"/>
+                <a:ea typeface="Cambria" panose="02040503050406030204" pitchFamily="18" charset="0"/>
+              </a:rPr>
+              <a:t> </a:t>
+            </a:r>
+            <a:r>
+              <a:rPr lang="ru-RU" sz="2800" b="1" dirty="0">
+                <a:solidFill>
+                  <a:srgbClr val="000000"/>
+                </a:solidFill>
+                <a:latin typeface="Time  s New Roman"/>
+                <a:ea typeface="Cambria" panose="02040503050406030204" pitchFamily="18" charset="0"/>
+              </a:rPr>
+              <a:t>Тестирование и улучшение</a:t>
+            </a:r>
+            <a:endParaRPr lang="en-US" sz="2800" b="1" dirty="0">
+              <a:solidFill>
+                <a:srgbClr val="000000"/>
+              </a:solidFill>
+              <a:latin typeface="Time  s New Roman"/>
+              <a:ea typeface="Cambria" panose="02040503050406030204" pitchFamily="18" charset="0"/>
+            </a:endParaRPr>
+          </a:p>
+        </p:txBody>
+      </p:sp>
+      <p:sp>
+        <p:nvSpPr>
+          <p:cNvPr id="13" name="TextBox 12">
+            <a:extLst>
+              <a:ext uri="{FF2B5EF4-FFF2-40B4-BE49-F238E27FC236}">
+                <a16:creationId xmlns:a16="http://schemas.microsoft.com/office/drawing/2014/main" id="{6F66BD48-98C1-40DB-0248-8AA721E53FE4}"/>
+              </a:ext>
+            </a:extLst>
+          </p:cNvPr>
+          <p:cNvSpPr txBox="1"/>
+          <p:nvPr/>
+        </p:nvSpPr>
+        <p:spPr>
+          <a:xfrm>
+            <a:off x="1377769" y="1823091"/>
+            <a:ext cx="4866082" cy="1477328"/>
+          </a:xfrm>
+          <a:prstGeom prst="rect">
+            <a:avLst/>
+          </a:prstGeom>
+          <a:noFill/>
+        </p:spPr>
+        <p:txBody>
+          <a:bodyPr wrap="square">
+            <a:spAutoFit/>
+          </a:bodyPr>
+          <a:lstStyle/>
+          <a:p>
+            <a:pPr marL="285750" indent="-285750">
+              <a:buFont typeface="Arial" panose="020B0604020202020204" pitchFamily="34" charset="0"/>
+              <a:buChar char="•"/>
+            </a:pPr>
+            <a:r>
+              <a:rPr lang="ru-RU" dirty="0">
+                <a:solidFill>
+                  <a:srgbClr val="000000"/>
+                </a:solidFill>
+                <a:latin typeface="Time  s New Roman"/>
+                <a:ea typeface="Cambria" panose="02040503050406030204" pitchFamily="18" charset="0"/>
+              </a:rPr>
+              <a:t>Создание нескольких тестовых задач</a:t>
+            </a:r>
+            <a:endParaRPr lang="vi-VN" dirty="0">
+              <a:solidFill>
+                <a:srgbClr val="000000"/>
+              </a:solidFill>
+              <a:latin typeface="Time  s New Roman"/>
+              <a:ea typeface="Cambria" panose="02040503050406030204" pitchFamily="18" charset="0"/>
+            </a:endParaRPr>
+          </a:p>
+          <a:p>
+            <a:pPr marL="285750" indent="-285750">
+              <a:buFont typeface="Arial" panose="020B0604020202020204" pitchFamily="34" charset="0"/>
+              <a:buChar char="•"/>
+            </a:pPr>
+            <a:r>
+              <a:rPr lang="ru-RU" dirty="0">
+                <a:solidFill>
+                  <a:srgbClr val="000000"/>
+                </a:solidFill>
+                <a:latin typeface="Time  s New Roman"/>
+                <a:ea typeface="Cambria" panose="02040503050406030204" pitchFamily="18" charset="0"/>
+              </a:rPr>
+              <a:t>Проверка интерфейса, стабильности, функции напоминания</a:t>
+            </a:r>
+            <a:endParaRPr lang="vi-VN" dirty="0">
+              <a:solidFill>
+                <a:srgbClr val="000000"/>
+              </a:solidFill>
+              <a:latin typeface="Time  s New Roman"/>
+              <a:ea typeface="Cambria" panose="02040503050406030204" pitchFamily="18" charset="0"/>
+            </a:endParaRPr>
+          </a:p>
+          <a:p>
+            <a:pPr marL="285750" indent="-285750">
+              <a:buFont typeface="Arial" panose="020B0604020202020204" pitchFamily="34" charset="0"/>
+              <a:buChar char="•"/>
+            </a:pPr>
+            <a:r>
+              <a:rPr lang="ru-RU" dirty="0">
+                <a:solidFill>
+                  <a:srgbClr val="000000"/>
+                </a:solidFill>
+                <a:latin typeface="Time  s New Roman"/>
+                <a:ea typeface="Cambria" panose="02040503050406030204" pitchFamily="18" charset="0"/>
+              </a:rPr>
+              <a:t>Улучшение на основе обратной связи</a:t>
+            </a:r>
+          </a:p>
+          <a:p>
+            <a:endParaRPr lang="en-US" dirty="0">
+              <a:solidFill>
+                <a:srgbClr val="000000"/>
+              </a:solidFill>
+              <a:latin typeface="Time  s New Roman"/>
+              <a:ea typeface="Cambria" panose="02040503050406030204" pitchFamily="18" charset="0"/>
+            </a:endParaRPr>
+          </a:p>
+        </p:txBody>
+      </p:sp>
+    </p:spTree>
+    <p:extLst>
+      <p:ext uri="{BB962C8B-B14F-4D97-AF65-F5344CB8AC3E}">
+        <p14:creationId xmlns:p14="http://schemas.microsoft.com/office/powerpoint/2010/main" val="685066413"/>
+      </p:ext>
+    </p:extLst>
+  </p:cSld>
+  <p:clrMapOvr>
+    <a:masterClrMapping/>
+  </p:clrMapOvr>
+</p:sld>
+</file>
+
+<file path=ppt/slides/slide14.xml><?xml version="1.0" encoding="utf-8"?>
+<p:sld xmlns:a="http://schemas.openxmlformats.org/drawingml/2006/main" xmlns:r="http://schemas.openxmlformats.org/officeDocument/2006/relationships" xmlns:p="http://schemas.openxmlformats.org/presentationml/2006/main">
+  <p:cSld>
+    <p:spTree>
+      <p:nvGrpSpPr>
+        <p:cNvPr id="1" name="">
+          <a:extLst>
+            <a:ext uri="{FF2B5EF4-FFF2-40B4-BE49-F238E27FC236}">
+              <a16:creationId xmlns:a16="http://schemas.microsoft.com/office/drawing/2014/main" id="{0CECE666-375F-19D0-782E-11538E0E41ED}"/>
+            </a:ext>
+          </a:extLst>
+        </p:cNvPr>
+        <p:cNvGrpSpPr/>
+        <p:nvPr/>
+      </p:nvGrpSpPr>
+      <p:grpSpPr>
+        <a:xfrm>
+          <a:off x="0" y="0"/>
+          <a:ext cx="0" cy="0"/>
+          <a:chOff x="0" y="0"/>
+          <a:chExt cx="0" cy="0"/>
+        </a:xfrm>
+      </p:grpSpPr>
+      <p:sp>
+        <p:nvSpPr>
+          <p:cNvPr id="9" name="TextBox 8">
+            <a:extLst>
+              <a:ext uri="{FF2B5EF4-FFF2-40B4-BE49-F238E27FC236}">
+                <a16:creationId xmlns:a16="http://schemas.microsoft.com/office/drawing/2014/main" id="{7F89BCB6-26AA-78D9-DBBF-A3FDE8F53300}"/>
+              </a:ext>
+            </a:extLst>
+          </p:cNvPr>
+          <p:cNvSpPr txBox="1"/>
+          <p:nvPr/>
+        </p:nvSpPr>
+        <p:spPr>
+          <a:xfrm>
+            <a:off x="531888" y="827448"/>
+            <a:ext cx="4537881" cy="523220"/>
+          </a:xfrm>
+          <a:prstGeom prst="rect">
+            <a:avLst/>
+          </a:prstGeom>
+          <a:noFill/>
+        </p:spPr>
+        <p:txBody>
+          <a:bodyPr wrap="square" rtlCol="0">
+            <a:spAutoFit/>
+          </a:bodyPr>
+          <a:lstStyle/>
+          <a:p>
+            <a:r>
+              <a:rPr lang="en-US" sz="2800" b="1" dirty="0">
+                <a:solidFill>
+                  <a:srgbClr val="000000"/>
+                </a:solidFill>
+                <a:latin typeface="Time   s New Roman"/>
+                <a:ea typeface="Cambria" panose="02040503050406030204" pitchFamily="18" charset="0"/>
+              </a:rPr>
+              <a:t>7.</a:t>
+            </a:r>
+            <a:r>
+              <a:rPr lang="vi-VN" sz="2800" b="1" dirty="0">
+                <a:solidFill>
+                  <a:srgbClr val="000000"/>
+                </a:solidFill>
+                <a:latin typeface="Time   s New Roman"/>
+                <a:ea typeface="Cambria" panose="02040503050406030204" pitchFamily="18" charset="0"/>
+              </a:rPr>
+              <a:t> </a:t>
+            </a:r>
+            <a:r>
+              <a:rPr lang="ru-RU" sz="2800" b="1" dirty="0">
+                <a:solidFill>
+                  <a:srgbClr val="000000"/>
+                </a:solidFill>
+                <a:latin typeface="Time   s New Roman"/>
+              </a:rPr>
+              <a:t>Заключение</a:t>
+            </a:r>
+          </a:p>
+        </p:txBody>
+      </p:sp>
+      <p:sp>
+        <p:nvSpPr>
+          <p:cNvPr id="13" name="TextBox 12">
+            <a:extLst>
+              <a:ext uri="{FF2B5EF4-FFF2-40B4-BE49-F238E27FC236}">
+                <a16:creationId xmlns:a16="http://schemas.microsoft.com/office/drawing/2014/main" id="{A08C2564-598B-B493-0311-D42C83247671}"/>
+              </a:ext>
+            </a:extLst>
+          </p:cNvPr>
+          <p:cNvSpPr txBox="1"/>
+          <p:nvPr/>
+        </p:nvSpPr>
+        <p:spPr>
+          <a:xfrm>
+            <a:off x="926893" y="1484250"/>
+            <a:ext cx="6994467" cy="2585323"/>
+          </a:xfrm>
+          <a:prstGeom prst="rect">
+            <a:avLst/>
+          </a:prstGeom>
+          <a:noFill/>
+        </p:spPr>
+        <p:txBody>
+          <a:bodyPr wrap="square">
+            <a:spAutoFit/>
+          </a:bodyPr>
+          <a:lstStyle/>
+          <a:p>
+            <a:r>
+              <a:rPr lang="ru-RU" b="1" dirty="0">
+                <a:solidFill>
+                  <a:srgbClr val="000000"/>
+                </a:solidFill>
+                <a:latin typeface="Time   s New Roman"/>
+              </a:rPr>
+              <a:t>Итог</a:t>
+            </a:r>
+            <a:r>
+              <a:rPr lang="ru-RU" dirty="0">
+                <a:solidFill>
+                  <a:srgbClr val="000000"/>
+                </a:solidFill>
+                <a:latin typeface="Time   s New Roman"/>
+              </a:rPr>
+              <a:t>: Готовое приложение</a:t>
+            </a:r>
+            <a:r>
+              <a:rPr lang="en-US" dirty="0">
+                <a:solidFill>
+                  <a:srgbClr val="000000"/>
+                </a:solidFill>
+                <a:latin typeface="Time   s New Roman"/>
+              </a:rPr>
+              <a:t> </a:t>
+            </a:r>
+            <a:r>
+              <a:rPr lang="ru-RU" dirty="0">
+                <a:solidFill>
+                  <a:srgbClr val="000000"/>
+                </a:solidFill>
+                <a:latin typeface="Time   s New Roman"/>
+              </a:rPr>
+              <a:t>для организации ваших задач</a:t>
+            </a:r>
+            <a:r>
+              <a:rPr lang="en-US" dirty="0">
+                <a:solidFill>
+                  <a:srgbClr val="000000"/>
+                </a:solidFill>
+                <a:latin typeface="Time   s New Roman"/>
+              </a:rPr>
+              <a:t>.</a:t>
+            </a:r>
+            <a:endParaRPr lang="vi-VN" dirty="0">
+              <a:solidFill>
+                <a:srgbClr val="000000"/>
+              </a:solidFill>
+              <a:latin typeface="Time   s New Roman"/>
+            </a:endParaRPr>
+          </a:p>
+          <a:p>
+            <a:endParaRPr lang="ru-RU" dirty="0">
+              <a:solidFill>
+                <a:srgbClr val="000000"/>
+              </a:solidFill>
+              <a:latin typeface="Time   s New Roman"/>
+            </a:endParaRPr>
+          </a:p>
+          <a:p>
+            <a:r>
+              <a:rPr lang="ru-RU" b="1" dirty="0">
+                <a:solidFill>
+                  <a:srgbClr val="000000"/>
+                </a:solidFill>
+                <a:latin typeface="Time   s New Roman"/>
+              </a:rPr>
+              <a:t>Перспективы</a:t>
+            </a:r>
+            <a:r>
+              <a:rPr lang="ru-RU" dirty="0">
+                <a:solidFill>
+                  <a:srgbClr val="000000"/>
+                </a:solidFill>
+                <a:latin typeface="Time   s New Roman"/>
+              </a:rPr>
+              <a:t>: </a:t>
+            </a:r>
+            <a:endParaRPr lang="vi-VN" dirty="0">
+              <a:solidFill>
+                <a:srgbClr val="000000"/>
+              </a:solidFill>
+              <a:latin typeface="Time   s New Roman"/>
+            </a:endParaRPr>
+          </a:p>
+          <a:p>
+            <a:pPr marL="285750" indent="-285750">
+              <a:buFont typeface="Arial" panose="020B0604020202020204" pitchFamily="34" charset="0"/>
+              <a:buChar char="•"/>
+            </a:pPr>
+            <a:r>
+              <a:rPr lang="ru-RU" dirty="0">
+                <a:solidFill>
+                  <a:srgbClr val="000000"/>
+                </a:solidFill>
+                <a:latin typeface="Time   s New Roman"/>
+              </a:rPr>
+              <a:t>Добавление синхронизации между устройствами, интеграция с календарем</a:t>
+            </a:r>
+            <a:r>
+              <a:rPr lang="en-US" dirty="0">
+                <a:solidFill>
+                  <a:srgbClr val="000000"/>
+                </a:solidFill>
+                <a:latin typeface="Time   s New Roman"/>
+              </a:rPr>
+              <a:t>.</a:t>
+            </a:r>
+          </a:p>
+          <a:p>
+            <a:pPr marL="285750" indent="-285750">
+              <a:buFont typeface="Arial" panose="020B0604020202020204" pitchFamily="34" charset="0"/>
+              <a:buChar char="•"/>
+            </a:pPr>
+            <a:r>
+              <a:rPr lang="ru-RU" dirty="0">
+                <a:solidFill>
+                  <a:srgbClr val="000000"/>
+                </a:solidFill>
+                <a:latin typeface="Time   s New Roman"/>
+              </a:rPr>
+              <a:t>Интеграция с более развивающимся пользовательским интерфейсом</a:t>
+            </a:r>
+            <a:endParaRPr lang="en-US" dirty="0">
+              <a:solidFill>
+                <a:srgbClr val="000000"/>
+              </a:solidFill>
+              <a:latin typeface="Time   s New Roman"/>
+            </a:endParaRPr>
+          </a:p>
+          <a:p>
+            <a:pPr marL="285750" indent="-285750">
+              <a:buFont typeface="Arial" panose="020B0604020202020204" pitchFamily="34" charset="0"/>
+              <a:buChar char="•"/>
+            </a:pPr>
+            <a:r>
+              <a:rPr lang="ru-RU" dirty="0">
+                <a:solidFill>
+                  <a:srgbClr val="000000"/>
+                </a:solidFill>
+                <a:latin typeface="Time   s New Roman"/>
+              </a:rPr>
+              <a:t>Интеграция с телеграм-ботом для большего комфорта</a:t>
+            </a:r>
+            <a:endParaRPr lang="en-US" dirty="0">
+              <a:solidFill>
+                <a:srgbClr val="000000"/>
+              </a:solidFill>
+              <a:latin typeface="Time   s New Roman"/>
+            </a:endParaRPr>
+          </a:p>
+          <a:p>
+            <a:endParaRPr lang="en-US" dirty="0">
+              <a:solidFill>
+                <a:srgbClr val="000000"/>
+              </a:solidFill>
+              <a:latin typeface="Time   s New Roman"/>
+            </a:endParaRPr>
+          </a:p>
+        </p:txBody>
+      </p:sp>
+    </p:spTree>
+    <p:extLst>
+      <p:ext uri="{BB962C8B-B14F-4D97-AF65-F5344CB8AC3E}">
+        <p14:creationId xmlns:p14="http://schemas.microsoft.com/office/powerpoint/2010/main" val="4256399"/>
+      </p:ext>
+    </p:extLst>
+  </p:cSld>
+  <p:clrMapOvr>
+    <a:masterClrMapping/>
+  </p:clrMapOvr>
+</p:sld>
+</file>
+
+<file path=ppt/slides/slide15.xml><?xml version="1.0" encoding="utf-8"?>
+<p:sld xmlns:a="http://schemas.openxmlformats.org/drawingml/2006/main" xmlns:r="http://schemas.openxmlformats.org/officeDocument/2006/relationships" xmlns:p="http://schemas.openxmlformats.org/presentationml/2006/main">
+  <p:cSld>
+    <p:spTree>
+      <p:nvGrpSpPr>
+        <p:cNvPr id="1" name="">
+          <a:extLst>
+            <a:ext uri="{FF2B5EF4-FFF2-40B4-BE49-F238E27FC236}">
+              <a16:creationId xmlns:a16="http://schemas.microsoft.com/office/drawing/2014/main" id="{424F7F88-AA39-9AAC-9377-396387DA3D55}"/>
+            </a:ext>
+          </a:extLst>
+        </p:cNvPr>
+        <p:cNvGrpSpPr/>
+        <p:nvPr/>
+      </p:nvGrpSpPr>
+      <p:grpSpPr>
+        <a:xfrm>
+          <a:off x="0" y="0"/>
+          <a:ext cx="0" cy="0"/>
+          <a:chOff x="0" y="0"/>
+          <a:chExt cx="0" cy="0"/>
+        </a:xfrm>
+      </p:grpSpPr>
+      <p:sp>
+        <p:nvSpPr>
+          <p:cNvPr id="9" name="TextBox 8">
+            <a:extLst>
+              <a:ext uri="{FF2B5EF4-FFF2-40B4-BE49-F238E27FC236}">
+                <a16:creationId xmlns:a16="http://schemas.microsoft.com/office/drawing/2014/main" id="{3F12410A-8E80-271A-64FD-204A535A933E}"/>
+              </a:ext>
+            </a:extLst>
+          </p:cNvPr>
+          <p:cNvSpPr txBox="1"/>
+          <p:nvPr/>
+        </p:nvSpPr>
+        <p:spPr>
+          <a:xfrm>
+            <a:off x="579654" y="876034"/>
+            <a:ext cx="6592245" cy="677108"/>
+          </a:xfrm>
+          <a:prstGeom prst="rect">
+            <a:avLst/>
+          </a:prstGeom>
+          <a:noFill/>
+        </p:spPr>
+        <p:txBody>
+          <a:bodyPr wrap="square" rtlCol="0">
+            <a:spAutoFit/>
+          </a:bodyPr>
+          <a:lstStyle/>
+          <a:p>
+            <a:r>
+              <a:rPr lang="vi-VN" dirty="0">
+                <a:solidFill>
+                  <a:srgbClr val="000000"/>
+                </a:solidFill>
+                <a:latin typeface="Times  New Roman"/>
+                <a:ea typeface="Cambria" panose="02040503050406030204" pitchFamily="18" charset="0"/>
+              </a:rPr>
+              <a:t> </a:t>
+            </a:r>
+            <a:r>
+              <a:rPr lang="ru-RU" sz="2000" b="1" dirty="0">
+                <a:solidFill>
+                  <a:srgbClr val="000000"/>
+                </a:solidFill>
+                <a:latin typeface="Times  New Roman"/>
+              </a:rPr>
+              <a:t>Перспективы</a:t>
+            </a:r>
+            <a:r>
+              <a:rPr lang="en-US" sz="2000" b="1" dirty="0">
+                <a:solidFill>
+                  <a:srgbClr val="000000"/>
+                </a:solidFill>
+                <a:latin typeface="Times  New Roman"/>
+              </a:rPr>
+              <a:t>:</a:t>
+            </a:r>
+            <a:r>
+              <a:rPr lang="vi-VN" sz="2000" b="1" dirty="0">
+                <a:solidFill>
+                  <a:srgbClr val="000000"/>
+                </a:solidFill>
+                <a:latin typeface="Times  New Roman"/>
+              </a:rPr>
+              <a:t> </a:t>
+            </a:r>
+            <a:r>
+              <a:rPr lang="en-US" dirty="0">
+                <a:solidFill>
+                  <a:srgbClr val="000000"/>
+                </a:solidFill>
+                <a:latin typeface="Times  New Roman"/>
+              </a:rPr>
+              <a:t>This is how should the UI appear in the future</a:t>
+            </a:r>
+          </a:p>
+          <a:p>
+            <a:endParaRPr lang="ru-RU" dirty="0">
+              <a:solidFill>
+                <a:srgbClr val="000000"/>
+              </a:solidFill>
+              <a:latin typeface="Times  New Roman"/>
+            </a:endParaRPr>
+          </a:p>
+        </p:txBody>
+      </p:sp>
+      <p:pic>
+        <p:nvPicPr>
+          <p:cNvPr id="3" name="Рисунок 2" descr="Изображение выглядит как текст, снимок экрана, Шрифт, дизайн&#10;&#10;Содержимое, созданное искусственным интеллектом, может быть неверным.">
+            <a:extLst>
+              <a:ext uri="{FF2B5EF4-FFF2-40B4-BE49-F238E27FC236}">
+                <a16:creationId xmlns:a16="http://schemas.microsoft.com/office/drawing/2014/main" id="{AB01C4B0-AF25-714D-0BC2-96B3E8A727E9}"/>
+              </a:ext>
+            </a:extLst>
+          </p:cNvPr>
+          <p:cNvPicPr>
+            <a:picLocks noChangeAspect="1"/>
+          </p:cNvPicPr>
+          <p:nvPr/>
+        </p:nvPicPr>
+        <p:blipFill>
+          <a:blip r:embed="rId2"/>
+          <a:stretch>
+            <a:fillRect/>
+          </a:stretch>
+        </p:blipFill>
+        <p:spPr>
+          <a:xfrm>
+            <a:off x="1600353" y="1369412"/>
+            <a:ext cx="1373051" cy="2978279"/>
+          </a:xfrm>
+          <a:prstGeom prst="rect">
+            <a:avLst/>
+          </a:prstGeom>
+        </p:spPr>
+      </p:pic>
+      <p:pic>
+        <p:nvPicPr>
+          <p:cNvPr id="5" name="Рисунок 4" descr="Изображение выглядит как текст, снимок экрана, Шрифт, число&#10;&#10;Содержимое, созданное искусственным интеллектом, может быть неверным.">
+            <a:extLst>
+              <a:ext uri="{FF2B5EF4-FFF2-40B4-BE49-F238E27FC236}">
+                <a16:creationId xmlns:a16="http://schemas.microsoft.com/office/drawing/2014/main" id="{57B4F711-4F0A-A83D-5134-E803BFD3F28D}"/>
+              </a:ext>
+            </a:extLst>
+          </p:cNvPr>
+          <p:cNvPicPr>
+            <a:picLocks noChangeAspect="1"/>
+          </p:cNvPicPr>
+          <p:nvPr/>
+        </p:nvPicPr>
+        <p:blipFill>
+          <a:blip r:embed="rId3"/>
+          <a:stretch>
+            <a:fillRect/>
+          </a:stretch>
+        </p:blipFill>
+        <p:spPr>
+          <a:xfrm>
+            <a:off x="3793838" y="1369412"/>
+            <a:ext cx="1357038" cy="2978279"/>
+          </a:xfrm>
+          <a:prstGeom prst="rect">
+            <a:avLst/>
+          </a:prstGeom>
+        </p:spPr>
+      </p:pic>
+      <p:pic>
+        <p:nvPicPr>
+          <p:cNvPr id="8" name="Рисунок 7" descr="Изображение выглядит как текст, снимок экрана, Шрифт&#10;&#10;Содержимое, созданное искусственным интеллектом, может быть неверным.">
+            <a:extLst>
+              <a:ext uri="{FF2B5EF4-FFF2-40B4-BE49-F238E27FC236}">
+                <a16:creationId xmlns:a16="http://schemas.microsoft.com/office/drawing/2014/main" id="{42723D4C-D14D-3911-C220-A1C7F6F2C70E}"/>
+              </a:ext>
+            </a:extLst>
+          </p:cNvPr>
+          <p:cNvPicPr>
+            <a:picLocks noChangeAspect="1"/>
+          </p:cNvPicPr>
+          <p:nvPr/>
+        </p:nvPicPr>
+        <p:blipFill>
+          <a:blip r:embed="rId4"/>
+          <a:stretch>
+            <a:fillRect/>
+          </a:stretch>
+        </p:blipFill>
+        <p:spPr>
+          <a:xfrm>
+            <a:off x="5971310" y="1369412"/>
+            <a:ext cx="1363212" cy="2978279"/>
+          </a:xfrm>
+          <a:prstGeom prst="rect">
+            <a:avLst/>
+          </a:prstGeom>
+        </p:spPr>
+      </p:pic>
+    </p:spTree>
+    <p:extLst>
+      <p:ext uri="{BB962C8B-B14F-4D97-AF65-F5344CB8AC3E}">
+        <p14:creationId xmlns:p14="http://schemas.microsoft.com/office/powerpoint/2010/main" val="3972788091"/>
+      </p:ext>
+    </p:extLst>
+  </p:cSld>
+  <p:clrMapOvr>
+    <a:masterClrMapping/>
+  </p:clrMapOvr>
+</p:sld>
+</file>
+
+<file path=ppt/slides/slide16.xml><?xml version="1.0" encoding="utf-8"?>
+<p:sld xmlns:a="http://schemas.openxmlformats.org/drawingml/2006/main" xmlns:r="http://schemas.openxmlformats.org/officeDocument/2006/relationships" xmlns:p="http://schemas.openxmlformats.org/presentationml/2006/main">
+  <p:cSld>
+    <p:spTree>
+      <p:nvGrpSpPr>
+        <p:cNvPr id="1" name=""/>
+        <p:cNvGrpSpPr/>
+        <p:nvPr/>
+      </p:nvGrpSpPr>
+      <p:grpSpPr>
+        <a:xfrm>
+          <a:off x="0" y="0"/>
+          <a:ext cx="0" cy="0"/>
+          <a:chOff x="0" y="0"/>
+          <a:chExt cx="0" cy="0"/>
+        </a:xfrm>
+      </p:grpSpPr>
+      <p:pic>
+        <p:nvPicPr>
+          <p:cNvPr id="5" name="Picture 4">
+            <a:extLst>
+              <a:ext uri="{FF2B5EF4-FFF2-40B4-BE49-F238E27FC236}">
+                <a16:creationId xmlns:a16="http://schemas.microsoft.com/office/drawing/2014/main" id="{2E3F6022-B3E2-012D-D30C-B9A2B9E33CB2}"/>
+              </a:ext>
+            </a:extLst>
+          </p:cNvPr>
+          <p:cNvPicPr>
+            <a:picLocks noChangeAspect="1"/>
+          </p:cNvPicPr>
+          <p:nvPr/>
+        </p:nvPicPr>
+        <p:blipFill>
+          <a:blip r:embed="rId2"/>
+          <a:stretch>
+            <a:fillRect/>
+          </a:stretch>
+        </p:blipFill>
+        <p:spPr>
+          <a:xfrm>
+            <a:off x="308967" y="604010"/>
+            <a:ext cx="7330233" cy="3259701"/>
+          </a:xfrm>
+          <a:prstGeom prst="rect">
+            <a:avLst/>
+          </a:prstGeom>
+        </p:spPr>
+      </p:pic>
+      <p:sp>
+        <p:nvSpPr>
+          <p:cNvPr id="6" name="TextBox 5">
+            <a:extLst>
+              <a:ext uri="{FF2B5EF4-FFF2-40B4-BE49-F238E27FC236}">
+                <a16:creationId xmlns:a16="http://schemas.microsoft.com/office/drawing/2014/main" id="{83E1B881-30CC-1AA4-AB74-67CE0C673FCE}"/>
+              </a:ext>
+            </a:extLst>
+          </p:cNvPr>
+          <p:cNvSpPr txBox="1"/>
+          <p:nvPr/>
+        </p:nvSpPr>
+        <p:spPr>
+          <a:xfrm>
+            <a:off x="716508" y="3863711"/>
+            <a:ext cx="6339385" cy="369332"/>
+          </a:xfrm>
+          <a:prstGeom prst="rect">
+            <a:avLst/>
+          </a:prstGeom>
+          <a:noFill/>
+        </p:spPr>
+        <p:txBody>
+          <a:bodyPr wrap="square" rtlCol="0">
+            <a:spAutoFit/>
+          </a:bodyPr>
+          <a:lstStyle/>
+          <a:p>
+            <a:r>
+              <a:rPr lang="vi-VN" dirty="0">
+                <a:latin typeface="Times  New Roman"/>
+              </a:rPr>
+              <a:t>Github</a:t>
+            </a:r>
+            <a:r>
+              <a:rPr lang="vi-VN" dirty="0">
+                <a:latin typeface="Time ss New Roman"/>
+              </a:rPr>
+              <a:t>: </a:t>
+            </a:r>
+            <a:r>
+              <a:rPr lang="vi-VN" sz="1500" i="1" u="sng" dirty="0">
+                <a:solidFill>
+                  <a:srgbClr val="FF0000"/>
+                </a:solidFill>
+                <a:latin typeface="Times  New Roman"/>
+              </a:rPr>
+              <a:t>https://github.com/quanmh25/Final_Project_2025</a:t>
+            </a:r>
+            <a:endParaRPr lang="en-US" sz="1500" i="1" u="sng" dirty="0">
+              <a:solidFill>
+                <a:srgbClr val="FF0000"/>
+              </a:solidFill>
+              <a:latin typeface="Times  New Roman"/>
+            </a:endParaRPr>
+          </a:p>
+        </p:txBody>
+      </p:sp>
+    </p:spTree>
+    <p:extLst>
+      <p:ext uri="{BB962C8B-B14F-4D97-AF65-F5344CB8AC3E}">
+        <p14:creationId xmlns:p14="http://schemas.microsoft.com/office/powerpoint/2010/main" val="3385419728"/>
+      </p:ext>
+    </p:extLst>
+  </p:cSld>
+  <p:clrMapOvr>
+    <a:masterClrMapping/>
+  </p:clrMapOvr>
+</p:sld>
+</file>
+
+<file path=ppt/slides/slide17.xml><?xml version="1.0" encoding="utf-8"?>
+<p:sld xmlns:a="http://schemas.openxmlformats.org/drawingml/2006/main" xmlns:r="http://schemas.openxmlformats.org/officeDocument/2006/relationships" xmlns:p="http://schemas.openxmlformats.org/presentationml/2006/main">
+  <p:cSld>
+    <p:bg>
+      <p:bgPr>
+        <a:blipFill dpi="0" rotWithShape="1">
+          <a:blip r:embed="rId2">
+            <a:lum/>
+          </a:blip>
+          <a:srcRect/>
+          <a:stretch>
+            <a:fillRect/>
+          </a:stretch>
+        </a:blipFill>
+        <a:effectLst/>
+      </p:bgPr>
+    </p:bg>
+    <p:spTree>
+      <p:nvGrpSpPr>
+        <p:cNvPr id="1" name=""/>
+        <p:cNvGrpSpPr/>
+        <p:nvPr/>
+      </p:nvGrpSpPr>
+      <p:grpSpPr>
+        <a:xfrm>
+          <a:off x="0" y="0"/>
+          <a:ext cx="0" cy="0"/>
+          <a:chOff x="0" y="0"/>
+          <a:chExt cx="0" cy="0"/>
+        </a:xfrm>
+      </p:grpSpPr>
+      <p:sp>
+        <p:nvSpPr>
+          <p:cNvPr id="2" name="Title 1"/>
+          <p:cNvSpPr>
+            <a:spLocks noGrp="1"/>
+          </p:cNvSpPr>
+          <p:nvPr>
+            <p:ph type="title"/>
+          </p:nvPr>
+        </p:nvSpPr>
+        <p:spPr>
+          <a:xfrm>
+            <a:off x="457200" y="1700037"/>
+            <a:ext cx="8229600" cy="620483"/>
+          </a:xfrm>
+        </p:spPr>
+        <p:txBody>
+          <a:bodyPr/>
+          <a:lstStyle/>
+          <a:p>
+            <a:r>
+              <a:rPr lang="ru-RU" dirty="0"/>
+              <a:t>Спасибо за внимание</a:t>
+            </a:r>
+            <a:r>
+              <a:rPr lang="en-US" dirty="0"/>
+              <a:t>!</a:t>
+            </a:r>
+          </a:p>
+        </p:txBody>
+      </p:sp>
+    </p:spTree>
+    <p:extLst>
+      <p:ext uri="{BB962C8B-B14F-4D97-AF65-F5344CB8AC3E}">
+        <p14:creationId xmlns:p14="http://schemas.microsoft.com/office/powerpoint/2010/main" val="1864942597"/>
       </p:ext>
     </p:extLst>
   </p:cSld>
@@ -4846,58 +6328,51 @@
       </p:grpSpPr>
       <p:sp>
         <p:nvSpPr>
-          <p:cNvPr id="2" name="Title 1"/>
+          <p:cNvPr id="2" name="Подзаголовок 1">
+            <a:extLst>
+              <a:ext uri="{FF2B5EF4-FFF2-40B4-BE49-F238E27FC236}">
+                <a16:creationId xmlns:a16="http://schemas.microsoft.com/office/drawing/2014/main" id="{B327ED08-BAC3-19C3-D0DB-A9D5FE20696C}"/>
+              </a:ext>
+            </a:extLst>
+          </p:cNvPr>
           <p:cNvSpPr>
             <a:spLocks noGrp="1"/>
           </p:cNvSpPr>
           <p:nvPr>
-            <p:ph type="title"/>
+            <p:ph type="subTitle" idx="1"/>
           </p:nvPr>
         </p:nvSpPr>
-        <p:spPr>
-          <a:xfrm>
-            <a:off x="457200" y="753214"/>
-            <a:ext cx="7103660" cy="620483"/>
-          </a:xfrm>
-        </p:spPr>
+        <p:spPr/>
         <p:txBody>
           <a:bodyPr>
-            <a:normAutofit fontScale="90000"/>
+            <a:normAutofit fontScale="85000" lnSpcReduction="20000"/>
           </a:bodyPr>
           <a:lstStyle/>
           <a:p>
-            <a:r>
-              <a:rPr lang="en-US" dirty="0">
-                <a:latin typeface="Time s New Roman"/>
-              </a:rPr>
-              <a:t>1. 📌 </a:t>
-            </a:r>
-            <a:r>
-              <a:rPr lang="ru-RU" dirty="0">
-                <a:latin typeface="Time s New Roman"/>
-              </a:rPr>
-              <a:t>Определение основных функций </a:t>
-            </a:r>
-            <a:endParaRPr lang="en-US" dirty="0">
-              <a:latin typeface="Time s New Roman"/>
-            </a:endParaRPr>
+            <a:endParaRPr lang="en-US"/>
           </a:p>
         </p:txBody>
       </p:sp>
       <p:sp>
         <p:nvSpPr>
-          <p:cNvPr id="3" name="Content Placeholder 2"/>
+          <p:cNvPr id="4" name="Текст 3">
+            <a:extLst>
+              <a:ext uri="{FF2B5EF4-FFF2-40B4-BE49-F238E27FC236}">
+                <a16:creationId xmlns:a16="http://schemas.microsoft.com/office/drawing/2014/main" id="{5E86F7D7-3DC9-6D6F-9BD2-447CFAE7207F}"/>
+              </a:ext>
+            </a:extLst>
+          </p:cNvPr>
           <p:cNvSpPr>
             <a:spLocks noGrp="1"/>
           </p:cNvSpPr>
           <p:nvPr>
-            <p:ph sz="half" idx="1"/>
+            <p:ph type="body" sz="quarter" idx="10"/>
           </p:nvPr>
         </p:nvSpPr>
         <p:spPr>
           <a:xfrm>
-            <a:off x="777924" y="1571965"/>
-            <a:ext cx="5363570" cy="2848490"/>
+            <a:off x="762000" y="794989"/>
+            <a:ext cx="6246125" cy="3183333"/>
           </a:xfrm>
         </p:spPr>
         <p:txBody>
@@ -4906,111 +6381,188 @@
           </a:bodyPr>
           <a:lstStyle/>
           <a:p>
-            <a:pPr>
-              <a:buNone/>
-            </a:pPr>
-            <a:r>
-              <a:rPr lang="ru-RU" sz="1800" dirty="0">
-                <a:latin typeface="Cambria" panose="02040503050406030204" pitchFamily="18" charset="0"/>
-                <a:ea typeface="Cambria" panose="02040503050406030204" pitchFamily="18" charset="0"/>
-              </a:rPr>
-              <a:t>📅 Установка дедлайнов, напоминаний</a:t>
-            </a:r>
-            <a:endParaRPr lang="vi-VN" sz="1800" dirty="0">
-              <a:latin typeface="Cambria" panose="02040503050406030204" pitchFamily="18" charset="0"/>
-              <a:ea typeface="Cambria" panose="02040503050406030204" pitchFamily="18" charset="0"/>
+            <a:pPr algn="l"/>
+            <a:r>
+              <a:rPr lang="ru-RU" b="1" dirty="0">
+                <a:solidFill>
+                  <a:srgbClr val="000000"/>
+                </a:solidFill>
+              </a:rPr>
+              <a:t>Цель: </a:t>
+            </a:r>
+            <a:r>
+              <a:rPr lang="ru-RU" dirty="0">
+                <a:solidFill>
+                  <a:srgbClr val="000000"/>
+                </a:solidFill>
+              </a:rPr>
+              <a:t>Разработка удобного приложения </a:t>
+            </a:r>
+            <a:endParaRPr lang="en-US" dirty="0">
+              <a:solidFill>
+                <a:srgbClr val="000000"/>
+              </a:solidFill>
             </a:endParaRPr>
           </a:p>
           <a:p>
-            <a:pPr>
-              <a:buNone/>
-            </a:pPr>
-            <a:endParaRPr lang="vi-VN" sz="1800" dirty="0">
-              <a:latin typeface="Cambria" panose="02040503050406030204" pitchFamily="18" charset="0"/>
-              <a:ea typeface="Cambria" panose="02040503050406030204" pitchFamily="18" charset="0"/>
+            <a:pPr algn="l"/>
+            <a:r>
+              <a:rPr lang="ru-RU" dirty="0">
+                <a:solidFill>
+                  <a:srgbClr val="000000"/>
+                </a:solidFill>
+              </a:rPr>
+              <a:t>для управления задачами</a:t>
+            </a:r>
+            <a:endParaRPr lang="vi-VN" dirty="0">
+              <a:solidFill>
+                <a:srgbClr val="000000"/>
+              </a:solidFill>
             </a:endParaRPr>
           </a:p>
           <a:p>
-            <a:pPr>
-              <a:buNone/>
-            </a:pPr>
-            <a:r>
-              <a:rPr lang="ru-RU" sz="1800" dirty="0">
-                <a:latin typeface="Cambria" panose="02040503050406030204" pitchFamily="18" charset="0"/>
-                <a:ea typeface="Cambria" panose="02040503050406030204" pitchFamily="18" charset="0"/>
-              </a:rPr>
-              <a:t>🏷️ Классификация с помощью ярлыков (🎓, 💼, 🏠 и т.д.)</a:t>
-            </a:r>
-            <a:endParaRPr lang="vi-VN" sz="1800" dirty="0">
-              <a:latin typeface="Cambria" panose="02040503050406030204" pitchFamily="18" charset="0"/>
-              <a:ea typeface="Cambria" panose="02040503050406030204" pitchFamily="18" charset="0"/>
+            <a:pPr algn="l"/>
+            <a:endParaRPr lang="en-US" dirty="0">
+              <a:solidFill>
+                <a:srgbClr val="000000"/>
+              </a:solidFill>
+              <a:latin typeface="Time s New Roman"/>
             </a:endParaRPr>
           </a:p>
           <a:p>
-            <a:pPr>
-              <a:buNone/>
-            </a:pPr>
-            <a:endParaRPr lang="ru-RU" sz="1800" dirty="0">
-              <a:latin typeface="Cambria" panose="02040503050406030204" pitchFamily="18" charset="0"/>
-              <a:ea typeface="Cambria" panose="02040503050406030204" pitchFamily="18" charset="0"/>
-            </a:endParaRPr>
-          </a:p>
-          <a:p>
-            <a:pPr>
-              <a:buNone/>
-            </a:pPr>
-            <a:r>
-              <a:rPr lang="ru-RU" sz="1800" dirty="0">
-                <a:latin typeface="Cambria" panose="02040503050406030204" pitchFamily="18" charset="0"/>
-                <a:ea typeface="Cambria" panose="02040503050406030204" pitchFamily="18" charset="0"/>
-              </a:rPr>
-              <a:t>⏰ Напоминания по времени / метод Помодоро</a:t>
-            </a:r>
-            <a:endParaRPr lang="vi-VN" sz="1800" dirty="0">
-              <a:latin typeface="Cambria" panose="02040503050406030204" pitchFamily="18" charset="0"/>
-              <a:ea typeface="Cambria" panose="02040503050406030204" pitchFamily="18" charset="0"/>
-            </a:endParaRPr>
-          </a:p>
-          <a:p>
-            <a:pPr>
-              <a:buNone/>
-            </a:pPr>
-            <a:endParaRPr lang="ru-RU" sz="1800" dirty="0">
-              <a:latin typeface="Cambria" panose="02040503050406030204" pitchFamily="18" charset="0"/>
-              <a:ea typeface="Cambria" panose="02040503050406030204" pitchFamily="18" charset="0"/>
-            </a:endParaRPr>
-          </a:p>
-          <a:p>
-            <a:pPr marL="0" indent="0">
-              <a:buNone/>
-            </a:pPr>
-            <a:r>
-              <a:rPr lang="ru-RU" sz="1800" dirty="0">
-                <a:latin typeface="Cambria" panose="02040503050406030204" pitchFamily="18" charset="0"/>
-                <a:ea typeface="Cambria" panose="02040503050406030204" pitchFamily="18" charset="0"/>
-              </a:rPr>
-              <a:t>📈 Отслеживание производительности</a:t>
-            </a:r>
-          </a:p>
-          <a:p>
-            <a:pPr>
-              <a:buClr>
-                <a:srgbClr val="1946BA"/>
-              </a:buClr>
-              <a:buFont typeface="Arial" pitchFamily="34" charset="0"/>
+            <a:pPr algn="l"/>
+            <a:r>
+              <a:rPr lang="en-US" dirty="0">
+                <a:latin typeface="Time s New Roman"/>
+              </a:rPr>
+              <a:t>📌 </a:t>
+            </a:r>
+            <a:r>
+              <a:rPr lang="ru-RU" b="1" dirty="0">
+                <a:solidFill>
+                  <a:srgbClr val="000000"/>
+                </a:solidFill>
+              </a:rPr>
+              <a:t>Основные функции</a:t>
+            </a:r>
+            <a:r>
+              <a:rPr lang="en-US" b="1" dirty="0">
+                <a:solidFill>
+                  <a:srgbClr val="000000"/>
+                </a:solidFill>
+              </a:rPr>
+              <a:t>:</a:t>
+            </a:r>
+          </a:p>
+          <a:p>
+            <a:pPr marL="285750" indent="-285750" algn="l">
+              <a:buFont typeface="Arial" panose="020B0604020202020204" pitchFamily="34" charset="0"/>
               <a:buChar char="•"/>
             </a:pPr>
-            <a:endParaRPr lang="en-US" dirty="0">
-              <a:latin typeface="Cambria" panose="02040503050406030204" pitchFamily="18" charset="0"/>
-              <a:ea typeface="Cambria" panose="02040503050406030204" pitchFamily="18" charset="0"/>
+            <a:r>
+              <a:rPr lang="ru-RU" b="1" dirty="0">
+                <a:solidFill>
+                  <a:srgbClr val="000000"/>
+                </a:solidFill>
+              </a:rPr>
+              <a:t>Управление задачами: </a:t>
+            </a:r>
+            <a:r>
+              <a:rPr lang="ru-RU" dirty="0">
+                <a:solidFill>
+                  <a:srgbClr val="000000"/>
+                </a:solidFill>
+              </a:rPr>
+              <a:t>Базовые и расширенные операции. </a:t>
+            </a:r>
+            <a:endParaRPr lang="vi-VN" dirty="0">
+              <a:solidFill>
+                <a:srgbClr val="000000"/>
+              </a:solidFill>
             </a:endParaRPr>
+          </a:p>
+          <a:p>
+            <a:pPr marL="285750" indent="-285750" algn="l">
+              <a:buFont typeface="Arial" panose="020B0604020202020204" pitchFamily="34" charset="0"/>
+              <a:buChar char="•"/>
+            </a:pPr>
+            <a:r>
+              <a:rPr lang="ru-RU" b="1" dirty="0">
+                <a:solidFill>
+                  <a:srgbClr val="000000"/>
+                </a:solidFill>
+              </a:rPr>
+              <a:t>Гибкий пользовательский интерфейс</a:t>
+            </a:r>
+            <a:r>
+              <a:rPr lang="ru-RU" dirty="0">
+                <a:solidFill>
+                  <a:srgbClr val="000000"/>
+                </a:solidFill>
+              </a:rPr>
+              <a:t>: Настраивается под потребности пользователя. </a:t>
+            </a:r>
+            <a:endParaRPr lang="vi-VN" dirty="0">
+              <a:solidFill>
+                <a:srgbClr val="000000"/>
+              </a:solidFill>
+            </a:endParaRPr>
+          </a:p>
+          <a:p>
+            <a:pPr marL="285750" indent="-285750" algn="l">
+              <a:buFont typeface="Arial" panose="020B0604020202020204" pitchFamily="34" charset="0"/>
+              <a:buChar char="•"/>
+            </a:pPr>
+            <a:r>
+              <a:rPr lang="ru-RU" b="1" dirty="0">
+                <a:solidFill>
+                  <a:srgbClr val="000000"/>
+                </a:solidFill>
+              </a:rPr>
+              <a:t>Крайний срок: </a:t>
+            </a:r>
+            <a:r>
+              <a:rPr lang="ru-RU" dirty="0">
+                <a:solidFill>
+                  <a:srgbClr val="000000"/>
+                </a:solidFill>
+              </a:rPr>
+              <a:t>Помогает пользователям не пропустить важные сроки. </a:t>
+            </a:r>
+            <a:endParaRPr lang="vi-VN" dirty="0">
+              <a:solidFill>
+                <a:srgbClr val="000000"/>
+              </a:solidFill>
+            </a:endParaRPr>
+          </a:p>
+          <a:p>
+            <a:pPr marL="285750" indent="-285750" algn="l">
+              <a:buFont typeface="Arial" panose="020B0604020202020204" pitchFamily="34" charset="0"/>
+              <a:buChar char="•"/>
+            </a:pPr>
+            <a:r>
+              <a:rPr lang="ru-RU" b="1" dirty="0">
+                <a:solidFill>
+                  <a:srgbClr val="000000"/>
+                </a:solidFill>
+              </a:rPr>
+              <a:t>Статистика: </a:t>
+            </a:r>
+            <a:r>
+              <a:rPr lang="ru-RU" dirty="0">
+                <a:solidFill>
+                  <a:srgbClr val="000000"/>
+                </a:solidFill>
+              </a:rPr>
+              <a:t>Отслеживать и оценивать производительность работы.</a:t>
+            </a:r>
           </a:p>
         </p:txBody>
       </p:sp>
     </p:spTree>
     <p:extLst>
       <p:ext uri="{BB962C8B-B14F-4D97-AF65-F5344CB8AC3E}">
-        <p14:creationId xmlns:p14="http://schemas.microsoft.com/office/powerpoint/2010/main" val="1803256121"/>
+        <p14:creationId xmlns:p14="http://schemas.microsoft.com/office/powerpoint/2010/main" val="1767709141"/>
       </p:ext>
     </p:extLst>
   </p:cSld>
@@ -5039,6 +6591,46 @@
       </p:grpSpPr>
       <p:sp>
         <p:nvSpPr>
+          <p:cNvPr id="2" name="Title 1"/>
+          <p:cNvSpPr>
+            <a:spLocks noGrp="1"/>
+          </p:cNvSpPr>
+          <p:nvPr>
+            <p:ph type="title"/>
+          </p:nvPr>
+        </p:nvSpPr>
+        <p:spPr>
+          <a:xfrm>
+            <a:off x="308517" y="574362"/>
+            <a:ext cx="7103660" cy="620483"/>
+          </a:xfrm>
+        </p:spPr>
+        <p:txBody>
+          <a:bodyPr>
+            <a:normAutofit/>
+          </a:bodyPr>
+          <a:lstStyle/>
+          <a:p>
+            <a:r>
+              <a:rPr lang="en-US" sz="2800" dirty="0">
+                <a:latin typeface="Time s New Roman"/>
+              </a:rPr>
+              <a:t>1. 📌 </a:t>
+            </a:r>
+            <a:r>
+              <a:rPr lang="ru-RU" sz="2800" dirty="0">
+                <a:latin typeface="Time s New Roman"/>
+              </a:rPr>
+              <a:t>Определение основных функций </a:t>
+            </a:r>
+            <a:endParaRPr lang="en-US" sz="2800" dirty="0">
+              <a:latin typeface="Time s New Roman"/>
+            </a:endParaRPr>
+          </a:p>
+        </p:txBody>
+      </p:sp>
+      <p:sp>
+        <p:nvSpPr>
           <p:cNvPr id="3" name="Content Placeholder 2"/>
           <p:cNvSpPr>
             <a:spLocks noGrp="1"/>
@@ -5049,37 +6641,103 @@
         </p:nvSpPr>
         <p:spPr>
           <a:xfrm>
-            <a:off x="975814" y="1609812"/>
-            <a:ext cx="5820771" cy="2545931"/>
+            <a:off x="1123224" y="1427823"/>
+            <a:ext cx="5363570" cy="3141315"/>
           </a:xfrm>
         </p:spPr>
         <p:txBody>
           <a:bodyPr>
-            <a:normAutofit/>
+            <a:noAutofit/>
           </a:bodyPr>
           <a:lstStyle/>
+          <a:p>
+            <a:pPr marL="285750" indent="-285750">
+              <a:buFont typeface="Arial" panose="020B0604020202020204" pitchFamily="34" charset="0"/>
+              <a:buChar char="•"/>
+            </a:pPr>
+            <a:r>
+              <a:rPr lang="ru-RU" sz="1400" b="1" dirty="0">
+                <a:solidFill>
+                  <a:srgbClr val="000000"/>
+                </a:solidFill>
+                <a:latin typeface="+mj-lt"/>
+              </a:rPr>
+              <a:t>Управление задачами</a:t>
+            </a:r>
+            <a:endParaRPr lang="en-US" sz="1400" b="1" dirty="0">
+              <a:solidFill>
+                <a:srgbClr val="000000"/>
+              </a:solidFill>
+              <a:latin typeface="+mj-lt"/>
+            </a:endParaRPr>
+          </a:p>
+          <a:p>
+            <a:pPr lvl="1">
+              <a:buFontTx/>
+              <a:buChar char="-"/>
+            </a:pPr>
+            <a:r>
+              <a:rPr lang="ru-RU" sz="1400" dirty="0">
+                <a:latin typeface="+mj-lt"/>
+              </a:rPr>
+              <a:t>Добавление, удаление, редактирование</a:t>
+            </a:r>
+          </a:p>
+          <a:p>
+            <a:pPr lvl="1">
+              <a:buFontTx/>
+              <a:buChar char="-"/>
+            </a:pPr>
+            <a:r>
+              <a:rPr lang="ru-RU" sz="1400" dirty="0">
+                <a:latin typeface="+mj-lt"/>
+              </a:rPr>
+              <a:t>Классификация по тегам и приоритетам</a:t>
+            </a:r>
+            <a:endParaRPr lang="en-US" sz="1400" dirty="0">
+              <a:latin typeface="+mj-lt"/>
+            </a:endParaRPr>
+          </a:p>
           <a:p>
             <a:pPr>
               <a:buFont typeface="Arial" panose="020B0604020202020204" pitchFamily="34" charset="0"/>
               <a:buChar char="•"/>
             </a:pPr>
             <a:r>
-              <a:rPr lang="ru-RU" sz="1700" dirty="0">
-                <a:latin typeface="Cambria" panose="02040503050406030204" pitchFamily="18" charset="0"/>
-                <a:ea typeface="Cambria" panose="02040503050406030204" pitchFamily="18" charset="0"/>
-              </a:rPr>
-              <a:t>Язык: </a:t>
-            </a:r>
-            <a:r>
-              <a:rPr lang="en-US" sz="1700" dirty="0">
-                <a:latin typeface="Cambria" panose="02040503050406030204" pitchFamily="18" charset="0"/>
-                <a:ea typeface="Cambria" panose="02040503050406030204" pitchFamily="18" charset="0"/>
-              </a:rPr>
-              <a:t>Python </a:t>
-            </a:r>
-            <a:endParaRPr lang="vi-VN" sz="1700" dirty="0">
-              <a:latin typeface="Cambria" panose="02040503050406030204" pitchFamily="18" charset="0"/>
-              <a:ea typeface="Cambria" panose="02040503050406030204" pitchFamily="18" charset="0"/>
+              <a:rPr lang="ru-RU" sz="1400" b="1" dirty="0">
+                <a:latin typeface="+mj-lt"/>
+              </a:rPr>
+              <a:t>Гибкий интерфейс</a:t>
+            </a:r>
+            <a:endParaRPr lang="en-US" sz="1400" b="1" dirty="0">
+              <a:latin typeface="+mj-lt"/>
+            </a:endParaRPr>
+          </a:p>
+          <a:p>
+            <a:pPr lvl="1">
+              <a:buFontTx/>
+              <a:buChar char="-"/>
+            </a:pPr>
+            <a:r>
+              <a:rPr lang="ru-RU" sz="1400" dirty="0">
+                <a:latin typeface="+mj-lt"/>
+              </a:rPr>
+              <a:t>Отображение задач по дням/приоритетам</a:t>
+            </a:r>
+          </a:p>
+          <a:p>
+            <a:pPr lvl="1">
+              <a:buFontTx/>
+              <a:buChar char="-"/>
+            </a:pPr>
+            <a:r>
+              <a:rPr lang="ru-RU" sz="1400" dirty="0">
+                <a:latin typeface="+mj-lt"/>
+              </a:rPr>
+              <a:t>Темная и светлая темы</a:t>
+            </a:r>
+            <a:endParaRPr lang="vi-VN" sz="1400" dirty="0">
+              <a:latin typeface="+mj-lt"/>
             </a:endParaRPr>
           </a:p>
           <a:p>
@@ -5088,35 +6746,10 @@
               <a:buChar char="•"/>
             </a:pPr>
             <a:r>
-              <a:rPr lang="en-US" sz="1700" dirty="0">
-                <a:latin typeface="Cambria" panose="02040503050406030204" pitchFamily="18" charset="0"/>
-                <a:ea typeface="Cambria" panose="02040503050406030204" pitchFamily="18" charset="0"/>
-              </a:rPr>
-              <a:t>Framework:</a:t>
-            </a:r>
-            <a:r>
-              <a:rPr lang="vi-VN" sz="1700" dirty="0">
-                <a:latin typeface="Cambria" panose="02040503050406030204" pitchFamily="18" charset="0"/>
-                <a:ea typeface="Cambria" panose="02040503050406030204" pitchFamily="18" charset="0"/>
-              </a:rPr>
-              <a:t>  </a:t>
-            </a:r>
-            <a:r>
-              <a:rPr lang="vi-VN" sz="1700" dirty="0">
-                <a:solidFill>
-                  <a:schemeClr val="accent1"/>
-                </a:solidFill>
-                <a:latin typeface="Cambria" panose="02040503050406030204" pitchFamily="18" charset="0"/>
-                <a:ea typeface="Cambria" panose="02040503050406030204" pitchFamily="18" charset="0"/>
-              </a:rPr>
-              <a:t>Kivy </a:t>
-            </a:r>
-            <a:r>
-              <a:rPr lang="vi-VN" sz="1700" dirty="0">
-                <a:latin typeface="Cambria" panose="02040503050406030204" pitchFamily="18" charset="0"/>
-                <a:ea typeface="Cambria" panose="02040503050406030204" pitchFamily="18" charset="0"/>
-              </a:rPr>
-              <a:t>(Android, IOS)</a:t>
+              <a:rPr lang="ru-RU" sz="1400" b="1" dirty="0">
+                <a:latin typeface="+mj-lt"/>
+              </a:rPr>
+              <a:t>Дедлайн</a:t>
             </a:r>
           </a:p>
           <a:p>
@@ -5125,132 +6758,67 @@
               <a:buChar char="•"/>
             </a:pPr>
             <a:r>
-              <a:rPr lang="ru-RU" sz="1700" dirty="0">
-                <a:latin typeface="Cambria" panose="02040503050406030204" pitchFamily="18" charset="0"/>
-                <a:ea typeface="Cambria" panose="02040503050406030204" pitchFamily="18" charset="0"/>
-              </a:rPr>
-              <a:t>Библиотеки: </a:t>
-            </a:r>
-            <a:r>
-              <a:rPr lang="vi-VN" sz="1700" dirty="0">
-                <a:latin typeface="Cambria" panose="02040503050406030204" pitchFamily="18" charset="0"/>
-                <a:ea typeface="Cambria" panose="02040503050406030204" pitchFamily="18" charset="0"/>
-              </a:rPr>
-              <a:t>Plyer, Datetime</a:t>
-            </a:r>
+              <a:rPr lang="ru-RU" sz="1400" b="1" dirty="0">
+                <a:latin typeface="+mj-lt"/>
+              </a:rPr>
+              <a:t>Статистика</a:t>
+            </a:r>
+            <a:endParaRPr lang="en-US" sz="1400" b="1" dirty="0">
+              <a:latin typeface="+mj-lt"/>
+            </a:endParaRPr>
+          </a:p>
+          <a:p>
+            <a:pPr lvl="1">
+              <a:buFontTx/>
+              <a:buChar char="-"/>
+            </a:pPr>
+            <a:r>
+              <a:rPr lang="ru-RU" sz="1400" dirty="0">
+                <a:latin typeface="+mj-lt"/>
+              </a:rPr>
+              <a:t>Графики выполнения задач</a:t>
+            </a:r>
+            <a:endParaRPr lang="en-US" sz="1400" dirty="0">
+              <a:latin typeface="+mj-lt"/>
+            </a:endParaRPr>
+          </a:p>
+          <a:p>
+            <a:pPr marL="0" indent="0">
+              <a:buNone/>
+            </a:pPr>
+            <a:endParaRPr lang="ru-RU" sz="1400" dirty="0">
+              <a:latin typeface="+mj-lt"/>
+            </a:endParaRPr>
           </a:p>
           <a:p>
             <a:pPr>
               <a:buFont typeface="Arial" panose="020B0604020202020204" pitchFamily="34" charset="0"/>
               <a:buChar char="•"/>
             </a:pPr>
-            <a:r>
-              <a:rPr lang="ru-RU" sz="1700" dirty="0">
-                <a:latin typeface="Cambria" panose="02040503050406030204" pitchFamily="18" charset="0"/>
-                <a:ea typeface="Cambria" panose="02040503050406030204" pitchFamily="18" charset="0"/>
-              </a:rPr>
-              <a:t>Инструмент</a:t>
-            </a:r>
-            <a:r>
-              <a:rPr lang="en-US" sz="1700" dirty="0">
-                <a:latin typeface="Cambria" panose="02040503050406030204" pitchFamily="18" charset="0"/>
-                <a:ea typeface="Cambria" panose="02040503050406030204" pitchFamily="18" charset="0"/>
-              </a:rPr>
-              <a:t>: </a:t>
-            </a:r>
-            <a:r>
-              <a:rPr lang="vi-VN" sz="1700" dirty="0">
-                <a:latin typeface="Cambria" panose="02040503050406030204" pitchFamily="18" charset="0"/>
-                <a:ea typeface="Cambria" panose="02040503050406030204" pitchFamily="18" charset="0"/>
-              </a:rPr>
-              <a:t>Buildozer, VS Code, Github</a:t>
-            </a:r>
+            <a:endParaRPr lang="vi-VN" sz="1400" dirty="0">
+              <a:latin typeface="+mj-lt"/>
+              <a:ea typeface="Cambria" panose="02040503050406030204" pitchFamily="18" charset="0"/>
+            </a:endParaRPr>
           </a:p>
           <a:p>
             <a:pPr>
-              <a:buFont typeface="Arial" panose="020B0604020202020204" pitchFamily="34" charset="0"/>
+              <a:buClr>
+                <a:srgbClr val="1946BA"/>
+              </a:buClr>
+              <a:buFont typeface="Arial" pitchFamily="34" charset="0"/>
               <a:buChar char="•"/>
             </a:pPr>
-            <a:r>
-              <a:rPr lang="ru-RU" sz="1700" dirty="0">
-                <a:latin typeface="Cambria" panose="02040503050406030204" pitchFamily="18" charset="0"/>
-                <a:ea typeface="Cambria" panose="02040503050406030204" pitchFamily="18" charset="0"/>
-              </a:rPr>
-              <a:t>Хранилище данных:</a:t>
-            </a:r>
-          </a:p>
-          <a:p>
-            <a:pPr marL="800100" lvl="2" indent="0">
-              <a:buNone/>
-            </a:pPr>
-            <a:r>
-              <a:rPr lang="ru-RU" sz="1700" dirty="0">
-                <a:latin typeface="Cambria" panose="02040503050406030204" pitchFamily="18" charset="0"/>
-                <a:ea typeface="Cambria" panose="02040503050406030204" pitchFamily="18" charset="0"/>
-              </a:rPr>
-              <a:t>SQLite (локальное)</a:t>
-            </a:r>
-            <a:r>
-              <a:rPr lang="vi-VN" sz="1700" dirty="0">
-                <a:latin typeface="Cambria" panose="02040503050406030204" pitchFamily="18" charset="0"/>
-                <a:ea typeface="Cambria" panose="02040503050406030204" pitchFamily="18" charset="0"/>
-              </a:rPr>
-              <a:t>, Json, gg sheet</a:t>
-            </a:r>
-          </a:p>
-          <a:p>
-            <a:pPr>
-              <a:buFont typeface="Arial" panose="020B0604020202020204" pitchFamily="34" charset="0"/>
-              <a:buChar char="•"/>
-            </a:pPr>
-            <a:endParaRPr lang="ru-RU" dirty="0">
-              <a:latin typeface="Cambria" panose="02040503050406030204" pitchFamily="18" charset="0"/>
+            <a:endParaRPr lang="en-US" sz="1400" dirty="0">
+              <a:latin typeface="+mj-lt"/>
               <a:ea typeface="Cambria" panose="02040503050406030204" pitchFamily="18" charset="0"/>
             </a:endParaRPr>
-          </a:p>
-        </p:txBody>
-      </p:sp>
-      <p:sp>
-        <p:nvSpPr>
-          <p:cNvPr id="2" name="Title 1"/>
-          <p:cNvSpPr>
-            <a:spLocks noGrp="1"/>
-          </p:cNvSpPr>
-          <p:nvPr>
-            <p:ph type="title"/>
-          </p:nvPr>
-        </p:nvSpPr>
-        <p:spPr/>
-        <p:txBody>
-          <a:bodyPr>
-            <a:normAutofit/>
-          </a:bodyPr>
-          <a:lstStyle/>
-          <a:p>
-            <a:r>
-              <a:rPr lang="en-US" dirty="0"/>
-              <a:t>2.</a:t>
-            </a:r>
-            <a:r>
-              <a:rPr lang="vi-VN" dirty="0"/>
-              <a:t> </a:t>
-            </a:r>
-            <a:r>
-              <a:rPr lang="en-US" dirty="0"/>
-              <a:t>🛠️ </a:t>
-            </a:r>
-            <a:r>
-              <a:rPr lang="ru-RU" dirty="0"/>
-              <a:t>Используемые технологии </a:t>
-            </a:r>
-            <a:endParaRPr lang="en-US" dirty="0"/>
           </a:p>
         </p:txBody>
       </p:sp>
     </p:spTree>
     <p:extLst>
       <p:ext uri="{BB962C8B-B14F-4D97-AF65-F5344CB8AC3E}">
-        <p14:creationId xmlns:p14="http://schemas.microsoft.com/office/powerpoint/2010/main" val="238712034"/>
+        <p14:creationId xmlns:p14="http://schemas.microsoft.com/office/powerpoint/2010/main" val="1803256121"/>
       </p:ext>
     </p:extLst>
   </p:cSld>
@@ -5279,6 +6847,510 @@
       </p:grpSpPr>
       <p:sp>
         <p:nvSpPr>
+          <p:cNvPr id="2" name="Title 1"/>
+          <p:cNvSpPr>
+            <a:spLocks noGrp="1"/>
+          </p:cNvSpPr>
+          <p:nvPr>
+            <p:ph type="title"/>
+          </p:nvPr>
+        </p:nvSpPr>
+        <p:spPr>
+          <a:xfrm>
+            <a:off x="388961" y="722782"/>
+            <a:ext cx="8229600" cy="620315"/>
+          </a:xfrm>
+        </p:spPr>
+        <p:txBody>
+          <a:bodyPr>
+            <a:normAutofit/>
+          </a:bodyPr>
+          <a:lstStyle/>
+          <a:p>
+            <a:r>
+              <a:rPr lang="en-US" sz="2800" dirty="0">
+                <a:latin typeface="Times   New Roman"/>
+              </a:rPr>
+              <a:t>2.</a:t>
+            </a:r>
+            <a:r>
+              <a:rPr lang="vi-VN" sz="2800" dirty="0">
+                <a:latin typeface="Times   New Roman"/>
+              </a:rPr>
+              <a:t> </a:t>
+            </a:r>
+            <a:r>
+              <a:rPr lang="en-US" sz="2800" dirty="0">
+                <a:latin typeface="Times   New Roman"/>
+              </a:rPr>
+              <a:t>🛠️ </a:t>
+            </a:r>
+            <a:r>
+              <a:rPr lang="ru-RU" sz="2800" dirty="0">
+                <a:latin typeface="Times   New Roman"/>
+              </a:rPr>
+              <a:t>Используемые технологии </a:t>
+            </a:r>
+            <a:endParaRPr lang="en-US" sz="2800" dirty="0">
+              <a:latin typeface="Times   New Roman"/>
+            </a:endParaRPr>
+          </a:p>
+        </p:txBody>
+      </p:sp>
+      <p:graphicFrame>
+        <p:nvGraphicFramePr>
+          <p:cNvPr id="6" name="Таблица 5">
+            <a:extLst>
+              <a:ext uri="{FF2B5EF4-FFF2-40B4-BE49-F238E27FC236}">
+                <a16:creationId xmlns:a16="http://schemas.microsoft.com/office/drawing/2014/main" id="{8F7E4122-DCFE-028B-2128-4A0862F073C8}"/>
+              </a:ext>
+            </a:extLst>
+          </p:cNvPr>
+          <p:cNvGraphicFramePr>
+            <a:graphicFrameLocks noGrp="1"/>
+          </p:cNvGraphicFramePr>
+          <p:nvPr>
+            <p:extLst>
+              <p:ext uri="{D42A27DB-BD31-4B8C-83A1-F6EECF244321}">
+                <p14:modId xmlns:p14="http://schemas.microsoft.com/office/powerpoint/2010/main" val="540928642"/>
+              </p:ext>
+            </p:extLst>
+          </p:nvPr>
+        </p:nvGraphicFramePr>
+        <p:xfrm>
+          <a:off x="1295595" y="1480947"/>
+          <a:ext cx="6026429" cy="2839207"/>
+        </p:xfrm>
+        <a:graphic>
+          <a:graphicData uri="http://schemas.openxmlformats.org/drawingml/2006/table">
+            <a:tbl>
+              <a:tblPr firstRow="1" bandRow="1">
+                <a:tableStyleId>{5C22544A-7EE6-4342-B048-85BDC9FD1C3A}</a:tableStyleId>
+              </a:tblPr>
+              <a:tblGrid>
+                <a:gridCol w="3016395">
+                  <a:extLst>
+                    <a:ext uri="{9D8B030D-6E8A-4147-A177-3AD203B41FA5}">
+                      <a16:colId xmlns:a16="http://schemas.microsoft.com/office/drawing/2014/main" val="1786152018"/>
+                    </a:ext>
+                  </a:extLst>
+                </a:gridCol>
+                <a:gridCol w="3010034">
+                  <a:extLst>
+                    <a:ext uri="{9D8B030D-6E8A-4147-A177-3AD203B41FA5}">
+                      <a16:colId xmlns:a16="http://schemas.microsoft.com/office/drawing/2014/main" val="977020435"/>
+                    </a:ext>
+                  </a:extLst>
+                </a:gridCol>
+              </a:tblGrid>
+              <a:tr h="358618">
+                <a:tc>
+                  <a:txBody>
+                    <a:bodyPr/>
+                    <a:lstStyle/>
+                    <a:p>
+                      <a:pPr algn="ctr"/>
+                      <a:r>
+                        <a:rPr lang="ru-RU" sz="1800" b="1" i="0" kern="1200" dirty="0">
+                          <a:solidFill>
+                            <a:schemeClr val="lt1"/>
+                          </a:solidFill>
+                          <a:effectLst/>
+                          <a:latin typeface="+mn-lt"/>
+                          <a:ea typeface="+mn-ea"/>
+                          <a:cs typeface="+mn-cs"/>
+                        </a:rPr>
+                        <a:t>Функция</a:t>
+                      </a:r>
+                      <a:endParaRPr lang="en-US" dirty="0"/>
+                    </a:p>
+                  </a:txBody>
+                  <a:tcPr/>
+                </a:tc>
+                <a:tc>
+                  <a:txBody>
+                    <a:bodyPr/>
+                    <a:lstStyle/>
+                    <a:p>
+                      <a:pPr algn="ctr"/>
+                      <a:r>
+                        <a:rPr lang="ru-RU" sz="1800" b="1" i="0" kern="1200" dirty="0">
+                          <a:solidFill>
+                            <a:schemeClr val="lt1"/>
+                          </a:solidFill>
+                          <a:effectLst/>
+                          <a:latin typeface="+mn-lt"/>
+                          <a:ea typeface="+mn-ea"/>
+                          <a:cs typeface="+mn-cs"/>
+                        </a:rPr>
+                        <a:t>Инструменты</a:t>
+                      </a:r>
+                      <a:endParaRPr lang="en-US" dirty="0"/>
+                    </a:p>
+                  </a:txBody>
+                  <a:tcPr/>
+                </a:tc>
+                <a:extLst>
+                  <a:ext uri="{0D108BD9-81ED-4DB2-BD59-A6C34878D82A}">
+                    <a16:rowId xmlns:a16="http://schemas.microsoft.com/office/drawing/2014/main" val="346323463"/>
+                  </a:ext>
+                </a:extLst>
+              </a:tr>
+              <a:tr h="474795">
+                <a:tc>
+                  <a:txBody>
+                    <a:bodyPr/>
+                    <a:lstStyle/>
+                    <a:p>
+                      <a:r>
+                        <a:rPr lang="ru-RU" sz="1800" b="0" i="0" kern="1200" dirty="0">
+                          <a:solidFill>
+                            <a:schemeClr val="dk1"/>
+                          </a:solidFill>
+                          <a:effectLst/>
+                          <a:latin typeface="+mn-lt"/>
+                          <a:ea typeface="+mn-ea"/>
+                          <a:cs typeface="+mn-cs"/>
+                        </a:rPr>
+                        <a:t>Интерфейс</a:t>
+                      </a:r>
+                      <a:endParaRPr lang="en-US" dirty="0"/>
+                    </a:p>
+                  </a:txBody>
+                  <a:tcPr/>
+                </a:tc>
+                <a:tc>
+                  <a:txBody>
+                    <a:bodyPr/>
+                    <a:lstStyle/>
+                    <a:p>
+                      <a:pPr algn="ctr"/>
+                      <a:r>
+                        <a:rPr lang="en-US" sz="1800" b="0" i="0" kern="1200" dirty="0">
+                          <a:solidFill>
+                            <a:schemeClr val="dk1"/>
+                          </a:solidFill>
+                          <a:effectLst/>
+                          <a:latin typeface="+mn-lt"/>
+                          <a:ea typeface="+mn-ea"/>
+                          <a:cs typeface="+mn-cs"/>
+                        </a:rPr>
+                        <a:t>Python, </a:t>
+                      </a:r>
+                      <a:r>
+                        <a:rPr lang="en-US" sz="1800" b="0" i="0" kern="1200" dirty="0" err="1">
+                          <a:solidFill>
+                            <a:schemeClr val="dk1"/>
+                          </a:solidFill>
+                          <a:effectLst/>
+                          <a:latin typeface="+mn-lt"/>
+                          <a:ea typeface="+mn-ea"/>
+                          <a:cs typeface="+mn-cs"/>
+                        </a:rPr>
+                        <a:t>Kivy</a:t>
+                      </a:r>
+                      <a:endParaRPr lang="en-US" dirty="0"/>
+                    </a:p>
+                  </a:txBody>
+                  <a:tcPr/>
+                </a:tc>
+                <a:extLst>
+                  <a:ext uri="{0D108BD9-81ED-4DB2-BD59-A6C34878D82A}">
+                    <a16:rowId xmlns:a16="http://schemas.microsoft.com/office/drawing/2014/main" val="652836382"/>
+                  </a:ext>
+                </a:extLst>
+              </a:tr>
+              <a:tr h="459519">
+                <a:tc>
+                  <a:txBody>
+                    <a:bodyPr/>
+                    <a:lstStyle/>
+                    <a:p>
+                      <a:r>
+                        <a:rPr lang="ru-RU" dirty="0">
+                          <a:effectLst/>
+                        </a:rPr>
+                        <a:t>База данных</a:t>
+                      </a:r>
+                    </a:p>
+                  </a:txBody>
+                  <a:tcPr marR="76200" marT="76200" marB="76200" anchor="ctr"/>
+                </a:tc>
+                <a:tc>
+                  <a:txBody>
+                    <a:bodyPr/>
+                    <a:lstStyle/>
+                    <a:p>
+                      <a:pPr algn="ctr"/>
+                      <a:r>
+                        <a:rPr lang="en-US" sz="1800" b="0" i="0" kern="1200" dirty="0">
+                          <a:solidFill>
+                            <a:schemeClr val="dk1"/>
+                          </a:solidFill>
+                          <a:effectLst/>
+                          <a:latin typeface="+mn-lt"/>
+                          <a:ea typeface="+mn-ea"/>
+                          <a:cs typeface="+mn-cs"/>
+                        </a:rPr>
+                        <a:t>SQLite / JSON</a:t>
+                      </a:r>
+                      <a:endParaRPr lang="en-US" dirty="0">
+                        <a:effectLst/>
+                      </a:endParaRPr>
+                    </a:p>
+                  </a:txBody>
+                  <a:tcPr marL="76200" marR="76200" marT="76200" marB="76200" anchor="ctr"/>
+                </a:tc>
+                <a:extLst>
+                  <a:ext uri="{0D108BD9-81ED-4DB2-BD59-A6C34878D82A}">
+                    <a16:rowId xmlns:a16="http://schemas.microsoft.com/office/drawing/2014/main" val="360760875"/>
+                  </a:ext>
+                </a:extLst>
+              </a:tr>
+              <a:tr h="627582">
+                <a:tc>
+                  <a:txBody>
+                    <a:bodyPr/>
+                    <a:lstStyle/>
+                    <a:p>
+                      <a:pPr marL="0" marR="0" lvl="0" indent="0" algn="l" defTabSz="457200" rtl="0" eaLnBrk="1" fontAlgn="auto" latinLnBrk="0" hangingPunct="1">
+                        <a:lnSpc>
+                          <a:spcPct val="100000"/>
+                        </a:lnSpc>
+                        <a:spcBef>
+                          <a:spcPts val="0"/>
+                        </a:spcBef>
+                        <a:spcAft>
+                          <a:spcPts val="0"/>
+                        </a:spcAft>
+                        <a:buClrTx/>
+                        <a:buSzTx/>
+                        <a:buFontTx/>
+                        <a:buNone/>
+                        <a:tabLst/>
+                        <a:defRPr/>
+                      </a:pPr>
+                      <a:r>
+                        <a:rPr lang="ru-RU" dirty="0">
+                          <a:effectLst/>
+                        </a:rPr>
+                        <a:t>Сборка приложения</a:t>
+                      </a:r>
+                      <a:endParaRPr lang="vi-VN" dirty="0">
+                        <a:effectLst/>
+                      </a:endParaRPr>
+                    </a:p>
+                  </a:txBody>
+                  <a:tcPr/>
+                </a:tc>
+                <a:tc>
+                  <a:txBody>
+                    <a:bodyPr/>
+                    <a:lstStyle/>
+                    <a:p>
+                      <a:pPr marL="0" marR="0" lvl="0" indent="0" algn="ctr" defTabSz="457200" rtl="0" eaLnBrk="1" fontAlgn="auto" latinLnBrk="0" hangingPunct="1">
+                        <a:lnSpc>
+                          <a:spcPct val="100000"/>
+                        </a:lnSpc>
+                        <a:spcBef>
+                          <a:spcPts val="0"/>
+                        </a:spcBef>
+                        <a:spcAft>
+                          <a:spcPts val="0"/>
+                        </a:spcAft>
+                        <a:buClrTx/>
+                        <a:buSzTx/>
+                        <a:buFontTx/>
+                        <a:buNone/>
+                        <a:tabLst/>
+                        <a:defRPr/>
+                      </a:pPr>
+                      <a:r>
+                        <a:rPr lang="en-US" sz="1800" b="0" i="0" kern="1200" dirty="0" err="1">
+                          <a:solidFill>
+                            <a:schemeClr val="dk1"/>
+                          </a:solidFill>
+                          <a:effectLst/>
+                          <a:latin typeface="+mn-lt"/>
+                          <a:ea typeface="+mn-ea"/>
+                          <a:cs typeface="+mn-cs"/>
+                        </a:rPr>
+                        <a:t>Buildozer</a:t>
+                      </a:r>
+                      <a:r>
+                        <a:rPr lang="en-US" sz="1800" b="0" i="0" kern="1200" dirty="0">
+                          <a:solidFill>
+                            <a:schemeClr val="dk1"/>
+                          </a:solidFill>
+                          <a:effectLst/>
+                          <a:latin typeface="+mn-lt"/>
+                          <a:ea typeface="+mn-ea"/>
+                          <a:cs typeface="+mn-cs"/>
+                        </a:rPr>
+                        <a:t> (APK)</a:t>
+                      </a:r>
+                      <a:endParaRPr lang="en-US" dirty="0">
+                        <a:effectLst/>
+                      </a:endParaRPr>
+                    </a:p>
+                  </a:txBody>
+                  <a:tcPr/>
+                </a:tc>
+                <a:extLst>
+                  <a:ext uri="{0D108BD9-81ED-4DB2-BD59-A6C34878D82A}">
+                    <a16:rowId xmlns:a16="http://schemas.microsoft.com/office/drawing/2014/main" val="1066231493"/>
+                  </a:ext>
+                </a:extLst>
+              </a:tr>
+              <a:tr h="545791">
+                <a:tc>
+                  <a:txBody>
+                    <a:bodyPr/>
+                    <a:lstStyle/>
+                    <a:p>
+                      <a:pPr marL="0" marR="0" lvl="0" indent="0" algn="l" defTabSz="457200" rtl="0" eaLnBrk="1" fontAlgn="auto" latinLnBrk="0" hangingPunct="1">
+                        <a:lnSpc>
+                          <a:spcPct val="100000"/>
+                        </a:lnSpc>
+                        <a:spcBef>
+                          <a:spcPts val="0"/>
+                        </a:spcBef>
+                        <a:spcAft>
+                          <a:spcPts val="0"/>
+                        </a:spcAft>
+                        <a:buClrTx/>
+                        <a:buSzTx/>
+                        <a:buFontTx/>
+                        <a:buNone/>
+                        <a:tabLst/>
+                        <a:defRPr/>
+                      </a:pPr>
+                      <a:r>
+                        <a:rPr lang="ru-RU" sz="1800" b="0" i="0" kern="1200" dirty="0">
+                          <a:solidFill>
+                            <a:schemeClr val="dk1"/>
+                          </a:solidFill>
+                          <a:effectLst/>
+                          <a:latin typeface="+mn-lt"/>
+                          <a:ea typeface="+mn-ea"/>
+                          <a:cs typeface="+mn-cs"/>
+                        </a:rPr>
+                        <a:t>Тестирование</a:t>
+                      </a:r>
+                      <a:endParaRPr lang="en-US" dirty="0"/>
+                    </a:p>
+                  </a:txBody>
+                  <a:tcPr marR="76200" marT="76200" marB="76200" anchor="ctr"/>
+                </a:tc>
+                <a:tc>
+                  <a:txBody>
+                    <a:bodyPr/>
+                    <a:lstStyle/>
+                    <a:p>
+                      <a:pPr marL="0" marR="0" lvl="0" indent="0" algn="ctr" defTabSz="457200" rtl="0" eaLnBrk="1" fontAlgn="auto" latinLnBrk="0" hangingPunct="1">
+                        <a:lnSpc>
+                          <a:spcPct val="100000"/>
+                        </a:lnSpc>
+                        <a:spcBef>
+                          <a:spcPts val="0"/>
+                        </a:spcBef>
+                        <a:spcAft>
+                          <a:spcPts val="0"/>
+                        </a:spcAft>
+                        <a:buClrTx/>
+                        <a:buSzTx/>
+                        <a:buFontTx/>
+                        <a:buNone/>
+                        <a:tabLst/>
+                        <a:defRPr/>
+                      </a:pPr>
+                      <a:r>
+                        <a:rPr lang="ru-RU" sz="1800" b="0" i="0" kern="1200" dirty="0">
+                          <a:solidFill>
+                            <a:schemeClr val="dk1"/>
+                          </a:solidFill>
+                          <a:effectLst/>
+                          <a:latin typeface="+mn-lt"/>
+                          <a:ea typeface="+mn-ea"/>
+                          <a:cs typeface="+mn-cs"/>
+                        </a:rPr>
+                        <a:t>Ручное тестирование</a:t>
+                      </a:r>
+                      <a:endParaRPr lang="en-US" dirty="0"/>
+                    </a:p>
+                  </a:txBody>
+                  <a:tcPr marL="76200" marR="76200" marT="76200" marB="76200" anchor="ctr"/>
+                </a:tc>
+                <a:extLst>
+                  <a:ext uri="{0D108BD9-81ED-4DB2-BD59-A6C34878D82A}">
+                    <a16:rowId xmlns:a16="http://schemas.microsoft.com/office/drawing/2014/main" val="4123002772"/>
+                  </a:ext>
+                </a:extLst>
+              </a:tr>
+              <a:tr h="358618">
+                <a:tc>
+                  <a:txBody>
+                    <a:bodyPr/>
+                    <a:lstStyle/>
+                    <a:p>
+                      <a:endParaRPr lang="en-US" dirty="0"/>
+                    </a:p>
+                  </a:txBody>
+                  <a:tcPr/>
+                </a:tc>
+                <a:tc>
+                  <a:txBody>
+                    <a:bodyPr/>
+                    <a:lstStyle/>
+                    <a:p>
+                      <a:pPr algn="ctr"/>
+                      <a:endParaRPr lang="en-US" dirty="0"/>
+                    </a:p>
+                  </a:txBody>
+                  <a:tcPr/>
+                </a:tc>
+                <a:extLst>
+                  <a:ext uri="{0D108BD9-81ED-4DB2-BD59-A6C34878D82A}">
+                    <a16:rowId xmlns:a16="http://schemas.microsoft.com/office/drawing/2014/main" val="3182964281"/>
+                  </a:ext>
+                </a:extLst>
+              </a:tr>
+            </a:tbl>
+          </a:graphicData>
+        </a:graphic>
+      </p:graphicFrame>
+    </p:spTree>
+    <p:extLst>
+      <p:ext uri="{BB962C8B-B14F-4D97-AF65-F5344CB8AC3E}">
+        <p14:creationId xmlns:p14="http://schemas.microsoft.com/office/powerpoint/2010/main" val="238712034"/>
+      </p:ext>
+    </p:extLst>
+  </p:cSld>
+  <p:clrMapOvr>
+    <a:masterClrMapping/>
+  </p:clrMapOvr>
+</p:sld>
+</file>
+
+<file path=ppt/slides/slide5.xml><?xml version="1.0" encoding="utf-8"?>
+<p:sld xmlns:a="http://schemas.openxmlformats.org/drawingml/2006/main" xmlns:r="http://schemas.openxmlformats.org/officeDocument/2006/relationships" xmlns:p="http://schemas.openxmlformats.org/presentationml/2006/main">
+  <p:cSld>
+    <p:spTree>
+      <p:nvGrpSpPr>
+        <p:cNvPr id="1" name=""/>
+        <p:cNvGrpSpPr/>
+        <p:nvPr/>
+      </p:nvGrpSpPr>
+      <p:grpSpPr>
+        <a:xfrm>
+          <a:off x="0" y="0"/>
+          <a:ext cx="0" cy="0"/>
+          <a:chOff x="0" y="0"/>
+          <a:chExt cx="0" cy="0"/>
+        </a:xfrm>
+      </p:grpSpPr>
+      <p:sp>
+        <p:nvSpPr>
           <p:cNvPr id="15" name="Title 1"/>
           <p:cNvSpPr>
             <a:spLocks noGrp="1"/>
@@ -5289,7 +7361,7 @@
         </p:nvSpPr>
         <p:spPr>
           <a:xfrm>
-            <a:off x="457200" y="927498"/>
+            <a:off x="395785" y="706084"/>
             <a:ext cx="8229600" cy="620315"/>
           </a:xfrm>
         </p:spPr>
@@ -5300,29 +7372,29 @@
           <a:lstStyle/>
           <a:p>
             <a:r>
-              <a:rPr lang="vi-VN" dirty="0">
-                <a:latin typeface="Cambria" panose="02040503050406030204" pitchFamily="18" charset="0"/>
+              <a:rPr lang="vi-VN" sz="2800" dirty="0">
+                <a:latin typeface="Time s New Roman"/>
                 <a:ea typeface="Cambria" panose="02040503050406030204" pitchFamily="18" charset="0"/>
               </a:rPr>
               <a:t>3. </a:t>
             </a:r>
             <a:r>
-              <a:rPr lang="en-US" dirty="0">
-                <a:latin typeface="Cambria" panose="02040503050406030204" pitchFamily="18" charset="0"/>
+              <a:rPr lang="en-US" sz="2800" dirty="0">
+                <a:latin typeface="Time s New Roman"/>
                 <a:ea typeface="Cambria" panose="02040503050406030204" pitchFamily="18" charset="0"/>
               </a:rPr>
               <a:t>🧩 </a:t>
             </a:r>
             <a:r>
-              <a:rPr lang="ru-RU" dirty="0">
-                <a:latin typeface="Cambria" panose="02040503050406030204" pitchFamily="18" charset="0"/>
+              <a:rPr lang="ru-RU" sz="2800" dirty="0">
+                <a:latin typeface="Time s New Roman"/>
                 <a:ea typeface="Cambria" panose="02040503050406030204" pitchFamily="18" charset="0"/>
               </a:rPr>
               <a:t>Дизайн интерфейса (</a:t>
             </a:r>
             <a:r>
-              <a:rPr lang="en-US" dirty="0">
-                <a:latin typeface="Cambria" panose="02040503050406030204" pitchFamily="18" charset="0"/>
+              <a:rPr lang="en-US" sz="2800" dirty="0">
+                <a:latin typeface="Time s New Roman"/>
                 <a:ea typeface="Cambria" panose="02040503050406030204" pitchFamily="18" charset="0"/>
               </a:rPr>
               <a:t>UI)</a:t>
@@ -5344,8 +7416,8 @@
         </p:nvSpPr>
         <p:spPr>
           <a:xfrm>
-            <a:off x="652653" y="1684622"/>
-            <a:ext cx="5479575" cy="2446824"/>
+            <a:off x="602483" y="1421683"/>
+            <a:ext cx="6123379" cy="2970044"/>
           </a:xfrm>
           <a:prstGeom prst="rect">
             <a:avLst/>
@@ -5358,125 +7430,159 @@
           </a:bodyPr>
           <a:lstStyle/>
           <a:p>
-            <a:r>
-              <a:rPr lang="ru-RU" sz="1700" dirty="0">
-                <a:latin typeface="Cambria" panose="02040503050406030204" pitchFamily="18" charset="0"/>
-                <a:ea typeface="Cambria" panose="02040503050406030204" pitchFamily="18" charset="0"/>
-              </a:rPr>
-              <a:t>Тёмная и светлая тема (</a:t>
-            </a:r>
-            <a:r>
-              <a:rPr lang="en-US" sz="1700" dirty="0">
-                <a:latin typeface="Cambria" panose="02040503050406030204" pitchFamily="18" charset="0"/>
-                <a:ea typeface="Cambria" panose="02040503050406030204" pitchFamily="18" charset="0"/>
-              </a:rPr>
-              <a:t>Dark mode / Light mode)</a:t>
-            </a:r>
-            <a:endParaRPr lang="vi-VN" sz="1700" dirty="0">
-              <a:latin typeface="Cambria" panose="02040503050406030204" pitchFamily="18" charset="0"/>
-              <a:ea typeface="Cambria" panose="02040503050406030204" pitchFamily="18" charset="0"/>
-            </a:endParaRPr>
-          </a:p>
-          <a:p>
-            <a:r>
-              <a:rPr lang="ru-RU" sz="1700" dirty="0">
-                <a:latin typeface="Cambria" panose="02040503050406030204" pitchFamily="18" charset="0"/>
-                <a:ea typeface="Cambria" panose="02040503050406030204" pitchFamily="18" charset="0"/>
-              </a:rPr>
-              <a:t>Список задач по дням, тегам и приоритетам</a:t>
-            </a:r>
-            <a:r>
-              <a:rPr lang="vi-VN" sz="1700" dirty="0">
-                <a:latin typeface="Cambria" panose="02040503050406030204" pitchFamily="18" charset="0"/>
-                <a:ea typeface="Cambria" panose="02040503050406030204" pitchFamily="18" charset="0"/>
-              </a:rPr>
-              <a:t>:</a:t>
-            </a:r>
-          </a:p>
-          <a:p>
-            <a:pPr marL="742950" lvl="1" indent="-285750">
+            <a:pPr marL="285750" indent="-285750">
               <a:buFont typeface="Arial" panose="020B0604020202020204" pitchFamily="34" charset="0"/>
               <a:buChar char="•"/>
             </a:pPr>
             <a:r>
               <a:rPr lang="ru-RU" sz="1700" dirty="0">
-                <a:latin typeface="Cambria" panose="02040503050406030204" pitchFamily="18" charset="0"/>
+                <a:latin typeface="Times  New Roman"/>
                 <a:ea typeface="Cambria" panose="02040503050406030204" pitchFamily="18" charset="0"/>
               </a:rPr>
-              <a:t>Введение</a:t>
-            </a:r>
-            <a:r>
-              <a:rPr lang="vi-VN" sz="1700" dirty="0">
-                <a:latin typeface="Cambria" panose="02040503050406030204" pitchFamily="18" charset="0"/>
+              <a:t>Тёмная и светлая тема (</a:t>
+            </a:r>
+            <a:r>
+              <a:rPr lang="en-US" sz="1700" dirty="0">
+                <a:latin typeface="Times  New Roman"/>
                 <a:ea typeface="Cambria" panose="02040503050406030204" pitchFamily="18" charset="0"/>
               </a:rPr>
-              <a:t>: </a:t>
-            </a:r>
-            <a:r>
-              <a:rPr lang="ru-RU" sz="1700" dirty="0">
-                <a:latin typeface="Cambria" panose="02040503050406030204" pitchFamily="18" charset="0"/>
-                <a:ea typeface="Cambria" panose="02040503050406030204" pitchFamily="18" charset="0"/>
-              </a:rPr>
-              <a:t>Работа и крайний срок </a:t>
-            </a:r>
-            <a:endParaRPr lang="vi-VN" sz="1700" dirty="0">
-              <a:latin typeface="Cambria" panose="02040503050406030204" pitchFamily="18" charset="0"/>
+              <a:t>Dark mode / Light mode)</a:t>
+            </a:r>
+            <a:endParaRPr lang="ru-RU" sz="1700" dirty="0">
+              <a:latin typeface="Times  New Roman"/>
               <a:ea typeface="Cambria" panose="02040503050406030204" pitchFamily="18" charset="0"/>
             </a:endParaRPr>
           </a:p>
           <a:p>
-            <a:pPr lvl="1"/>
-            <a:r>
-              <a:rPr lang="vi-VN" sz="1700" dirty="0">
-                <a:latin typeface="Cambria" panose="02040503050406030204" pitchFamily="18" charset="0"/>
-                <a:ea typeface="Cambria" panose="02040503050406030204" pitchFamily="18" charset="0"/>
-              </a:rPr>
-              <a:t>      </a:t>
-            </a:r>
-            <a:r>
-              <a:rPr lang="ru-RU" sz="1700" dirty="0">
-                <a:latin typeface="Cambria" panose="02040503050406030204" pitchFamily="18" charset="0"/>
-                <a:ea typeface="Cambria" panose="02040503050406030204" pitchFamily="18" charset="0"/>
-              </a:rPr>
-              <a:t>(ГГГГ-ММ-ДД ЧЧ:ММ).</a:t>
-            </a:r>
-          </a:p>
-          <a:p>
-            <a:pPr marL="742950" lvl="1" indent="-285750">
+            <a:pPr marL="285750" indent="-285750">
               <a:buFont typeface="Arial" panose="020B0604020202020204" pitchFamily="34" charset="0"/>
               <a:buChar char="•"/>
             </a:pPr>
-            <a:r>
-              <a:rPr lang="ru-RU" sz="1700" dirty="0">
-                <a:latin typeface="Cambria" panose="02040503050406030204" pitchFamily="18" charset="0"/>
-                <a:ea typeface="Cambria" panose="02040503050406030204" pitchFamily="18" charset="0"/>
-              </a:rPr>
-              <a:t>Список задач: Отображение имени, крайнего срока, статуса.</a:t>
-            </a:r>
-          </a:p>
-          <a:p>
-            <a:pPr marL="742950" lvl="1" indent="-285750">
+            <a:endParaRPr lang="vi-VN" sz="1700" dirty="0">
+              <a:latin typeface="Times  New Roman"/>
+              <a:ea typeface="Cambria" panose="02040503050406030204" pitchFamily="18" charset="0"/>
+            </a:endParaRPr>
+          </a:p>
+          <a:p>
+            <a:pPr marL="285750" indent="-285750">
               <a:buFont typeface="Arial" panose="020B0604020202020204" pitchFamily="34" charset="0"/>
               <a:buChar char="•"/>
             </a:pPr>
             <a:r>
               <a:rPr lang="ru-RU" sz="1700" dirty="0">
-                <a:latin typeface="Cambria" panose="02040503050406030204" pitchFamily="18" charset="0"/>
+                <a:latin typeface="Times  New Roman"/>
                 <a:ea typeface="Cambria" panose="02040503050406030204" pitchFamily="18" charset="0"/>
               </a:rPr>
+              <a:t>Список задач по дням, тегам и приоритетам</a:t>
+            </a:r>
+          </a:p>
+          <a:p>
+            <a:pPr marL="285750" indent="-285750">
+              <a:buFont typeface="Arial" panose="020B0604020202020204" pitchFamily="34" charset="0"/>
+              <a:buChar char="•"/>
+            </a:pPr>
+            <a:endParaRPr lang="ru-RU" sz="1700" dirty="0">
+              <a:latin typeface="Times  New Roman"/>
+              <a:ea typeface="Cambria" panose="02040503050406030204" pitchFamily="18" charset="0"/>
+            </a:endParaRPr>
+          </a:p>
+          <a:p>
+            <a:pPr marL="285750" indent="-285750">
+              <a:buFont typeface="Arial" panose="020B0604020202020204" pitchFamily="34" charset="0"/>
+              <a:buChar char="•"/>
+            </a:pPr>
+            <a:r>
+              <a:rPr lang="ru-RU" sz="1700" dirty="0">
+                <a:latin typeface="Times  New Roman"/>
+                <a:ea typeface="Cambria" panose="02040503050406030204" pitchFamily="18" charset="0"/>
+              </a:rPr>
+              <a:t>Работа и крайний срок (</a:t>
+            </a:r>
+            <a:r>
+              <a:rPr lang="vi-VN" sz="1700" dirty="0">
+                <a:latin typeface="Times  New Roman"/>
+                <a:ea typeface="Cambria" panose="02040503050406030204" pitchFamily="18" charset="0"/>
+              </a:rPr>
+              <a:t>YYYY-MM-DD HH-MM</a:t>
+            </a:r>
+            <a:r>
+              <a:rPr lang="ru-RU" sz="1700" dirty="0">
+                <a:latin typeface="Times  New Roman"/>
+                <a:ea typeface="Cambria" panose="02040503050406030204" pitchFamily="18" charset="0"/>
+              </a:rPr>
+              <a:t>).</a:t>
+            </a:r>
+          </a:p>
+          <a:p>
+            <a:pPr marL="285750" indent="-285750">
+              <a:buFont typeface="Arial" panose="020B0604020202020204" pitchFamily="34" charset="0"/>
+              <a:buChar char="•"/>
+            </a:pPr>
+            <a:endParaRPr lang="ru-RU" sz="1700" dirty="0">
+              <a:latin typeface="Times  New Roman"/>
+              <a:ea typeface="Cambria" panose="02040503050406030204" pitchFamily="18" charset="0"/>
+            </a:endParaRPr>
+          </a:p>
+          <a:p>
+            <a:pPr marL="285750" indent="-285750">
+              <a:buFont typeface="Arial" panose="020B0604020202020204" pitchFamily="34" charset="0"/>
+              <a:buChar char="•"/>
+            </a:pPr>
+            <a:r>
+              <a:rPr lang="ru-RU" sz="1700" dirty="0">
+                <a:latin typeface="Times  New Roman"/>
+                <a:ea typeface="Cambria" panose="02040503050406030204" pitchFamily="18" charset="0"/>
+              </a:rPr>
+              <a:t>Список задач: Отображение имени, крайнего срока, статуса.</a:t>
+            </a:r>
+          </a:p>
+          <a:p>
+            <a:pPr marL="285750" indent="-285750">
+              <a:buFont typeface="Arial" panose="020B0604020202020204" pitchFamily="34" charset="0"/>
+              <a:buChar char="•"/>
+            </a:pPr>
+            <a:endParaRPr lang="ru-RU" sz="1700" dirty="0">
+              <a:latin typeface="Times  New Roman"/>
+              <a:ea typeface="Cambria" panose="02040503050406030204" pitchFamily="18" charset="0"/>
+            </a:endParaRPr>
+          </a:p>
+          <a:p>
+            <a:pPr marL="285750" indent="-285750">
+              <a:buFont typeface="Arial" panose="020B0604020202020204" pitchFamily="34" charset="0"/>
+              <a:buChar char="•"/>
+            </a:pPr>
+            <a:r>
+              <a:rPr lang="ru-RU" sz="1700" dirty="0">
+                <a:latin typeface="Times  New Roman"/>
+                <a:ea typeface="Cambria" panose="02040503050406030204" pitchFamily="18" charset="0"/>
+              </a:rPr>
               <a:t>Кнопки: Добавить, Удалить, Изменить статус.</a:t>
             </a:r>
           </a:p>
           <a:p>
+            <a:pPr marL="285750" indent="-285750">
+              <a:buFont typeface="Arial" panose="020B0604020202020204" pitchFamily="34" charset="0"/>
+              <a:buChar char="•"/>
+            </a:pPr>
+            <a:endParaRPr lang="ru-RU" sz="1700" dirty="0">
+              <a:latin typeface="Times  New Roman"/>
+              <a:ea typeface="Cambria" panose="02040503050406030204" pitchFamily="18" charset="0"/>
+            </a:endParaRPr>
+          </a:p>
+          <a:p>
+            <a:pPr marL="285750" indent="-285750">
+              <a:buFont typeface="Arial" panose="020B0604020202020204" pitchFamily="34" charset="0"/>
+              <a:buChar char="•"/>
+            </a:pPr>
             <a:r>
               <a:rPr lang="ru-RU" sz="1700" dirty="0">
-                <a:latin typeface="Cambria" panose="02040503050406030204" pitchFamily="18" charset="0"/>
+                <a:latin typeface="Times  New Roman"/>
                 <a:ea typeface="Cambria" panose="02040503050406030204" pitchFamily="18" charset="0"/>
               </a:rPr>
               <a:t>Обобщение: Отображение количества задач по статусу.</a:t>
             </a:r>
             <a:endParaRPr lang="en-US" sz="1700" dirty="0">
-              <a:latin typeface="Cambria" panose="02040503050406030204" pitchFamily="18" charset="0"/>
+              <a:latin typeface="Times  New Roman"/>
               <a:ea typeface="Cambria" panose="02040503050406030204" pitchFamily="18" charset="0"/>
             </a:endParaRPr>
           </a:p>
@@ -5513,8 +7619,8 @@
         </p:blipFill>
         <p:spPr bwMode="auto">
           <a:xfrm>
-            <a:off x="6446127" y="2947039"/>
-            <a:ext cx="2240673" cy="887128"/>
+            <a:off x="5422912" y="1483660"/>
+            <a:ext cx="1455145" cy="576122"/>
           </a:xfrm>
           <a:prstGeom prst="rect">
             <a:avLst/>
@@ -5531,265 +7637,126 @@
           </a:extLst>
         </p:spPr>
       </p:pic>
-    </p:spTree>
-    <p:extLst>
-      <p:ext uri="{BB962C8B-B14F-4D97-AF65-F5344CB8AC3E}">
-        <p14:creationId xmlns:p14="http://schemas.microsoft.com/office/powerpoint/2010/main" val="2290475877"/>
-      </p:ext>
-    </p:extLst>
-  </p:cSld>
-  <p:clrMapOvr>
-    <a:masterClrMapping/>
-  </p:clrMapOvr>
-</p:sld>
-</file>
-
-<file path=ppt/slides/slide5.xml><?xml version="1.0" encoding="utf-8"?>
-<p:sld xmlns:a="http://schemas.openxmlformats.org/drawingml/2006/main" xmlns:r="http://schemas.openxmlformats.org/officeDocument/2006/relationships" xmlns:p="http://schemas.openxmlformats.org/presentationml/2006/main">
-  <p:cSld>
-    <p:spTree>
-      <p:nvGrpSpPr>
-        <p:cNvPr id="1" name=""/>
-        <p:cNvGrpSpPr/>
-        <p:nvPr/>
-      </p:nvGrpSpPr>
-      <p:grpSpPr>
-        <a:xfrm>
-          <a:off x="0" y="0"/>
-          <a:ext cx="0" cy="0"/>
-          <a:chOff x="0" y="0"/>
-          <a:chExt cx="0" cy="0"/>
-        </a:xfrm>
-      </p:grpSpPr>
-      <p:sp>
-        <p:nvSpPr>
-          <p:cNvPr id="4" name="TextBox 3">
+      <p:pic>
+        <p:nvPicPr>
+          <p:cNvPr id="4" name="Picture 3">
             <a:extLst>
               <a:ext uri="{FF2B5EF4-FFF2-40B4-BE49-F238E27FC236}">
-                <a16:creationId xmlns:a16="http://schemas.microsoft.com/office/drawing/2014/main" id="{F7D19456-E96E-B145-6459-C007A7EE7F81}"/>
+                <a16:creationId xmlns:a16="http://schemas.microsoft.com/office/drawing/2014/main" id="{43246A87-10BB-84A2-3844-666353B27525}"/>
               </a:ext>
             </a:extLst>
           </p:cNvPr>
-          <p:cNvSpPr txBox="1"/>
+          <p:cNvPicPr>
+            <a:picLocks noChangeAspect="1"/>
+          </p:cNvPicPr>
           <p:nvPr/>
-        </p:nvSpPr>
-        <p:spPr>
-          <a:xfrm>
-            <a:off x="931460" y="1009092"/>
-            <a:ext cx="5005316" cy="369332"/>
+        </p:nvPicPr>
+        <p:blipFill>
+          <a:blip r:embed="rId3"/>
+          <a:stretch>
+            <a:fillRect/>
+          </a:stretch>
+        </p:blipFill>
+        <p:spPr>
+          <a:xfrm>
+            <a:off x="6957426" y="1443062"/>
+            <a:ext cx="552527" cy="657317"/>
           </a:xfrm>
           <a:prstGeom prst="rect">
             <a:avLst/>
           </a:prstGeom>
-          <a:noFill/>
-        </p:spPr>
-        <p:txBody>
-          <a:bodyPr wrap="square">
-            <a:spAutoFit/>
-          </a:bodyPr>
-          <a:lstStyle/>
-          <a:p>
-            <a:r>
-              <a:rPr lang="vi-VN" dirty="0">
-                <a:latin typeface="Cambria" panose="02040503050406030204" pitchFamily="18" charset="0"/>
-                <a:ea typeface="Cambria" panose="02040503050406030204" pitchFamily="18" charset="0"/>
-              </a:rPr>
-              <a:t>5. </a:t>
-            </a:r>
-            <a:r>
-              <a:rPr lang="en-US" dirty="0">
-                <a:latin typeface="Cambria" panose="02040503050406030204" pitchFamily="18" charset="0"/>
-                <a:ea typeface="Cambria" panose="02040503050406030204" pitchFamily="18" charset="0"/>
-              </a:rPr>
-              <a:t>🔔 </a:t>
-            </a:r>
-            <a:r>
-              <a:rPr lang="ru-RU" dirty="0">
-                <a:latin typeface="Cambria" panose="02040503050406030204" pitchFamily="18" charset="0"/>
-                <a:ea typeface="Cambria" panose="02040503050406030204" pitchFamily="18" charset="0"/>
-              </a:rPr>
-              <a:t>Функция напоминаний</a:t>
-            </a:r>
-            <a:endParaRPr lang="en-US" dirty="0">
-              <a:latin typeface="Cambria" panose="02040503050406030204" pitchFamily="18" charset="0"/>
-              <a:ea typeface="Cambria" panose="02040503050406030204" pitchFamily="18" charset="0"/>
-            </a:endParaRPr>
-          </a:p>
-        </p:txBody>
-      </p:sp>
-      <p:sp>
-        <p:nvSpPr>
-          <p:cNvPr id="6" name="TextBox 5">
+        </p:spPr>
+      </p:pic>
+      <p:pic>
+        <p:nvPicPr>
+          <p:cNvPr id="6" name="Picture 5">
             <a:extLst>
               <a:ext uri="{FF2B5EF4-FFF2-40B4-BE49-F238E27FC236}">
-                <a16:creationId xmlns:a16="http://schemas.microsoft.com/office/drawing/2014/main" id="{888D5758-C083-3F13-E8FF-EC0DFAC21F26}"/>
+                <a16:creationId xmlns:a16="http://schemas.microsoft.com/office/drawing/2014/main" id="{8072EB46-B18D-8B09-129F-9CCFEE0071A3}"/>
               </a:ext>
             </a:extLst>
           </p:cNvPr>
-          <p:cNvSpPr txBox="1"/>
+          <p:cNvPicPr>
+            <a:picLocks noChangeAspect="1"/>
+          </p:cNvPicPr>
           <p:nvPr/>
-        </p:nvSpPr>
-        <p:spPr>
-          <a:xfrm>
-            <a:off x="880281" y="2098459"/>
-            <a:ext cx="6052781" cy="1477328"/>
+        </p:nvPicPr>
+        <p:blipFill>
+          <a:blip r:embed="rId4"/>
+          <a:stretch>
+            <a:fillRect/>
+          </a:stretch>
+        </p:blipFill>
+        <p:spPr>
+          <a:xfrm>
+            <a:off x="7602111" y="1443062"/>
+            <a:ext cx="569154" cy="590632"/>
           </a:xfrm>
           <a:prstGeom prst="rect">
             <a:avLst/>
           </a:prstGeom>
-          <a:noFill/>
-        </p:spPr>
-        <p:txBody>
-          <a:bodyPr wrap="square" rtlCol="0">
-            <a:spAutoFit/>
-          </a:bodyPr>
-          <a:lstStyle/>
-          <a:p>
-            <a:pPr marL="285750" indent="-285750">
-              <a:buFont typeface="Arial" panose="020B0604020202020204" pitchFamily="34" charset="0"/>
-              <a:buChar char="•"/>
-            </a:pPr>
-            <a:r>
-              <a:rPr lang="ru-RU" dirty="0">
-                <a:latin typeface="Cambria" panose="02040503050406030204" pitchFamily="18" charset="0"/>
-                <a:ea typeface="Cambria" panose="02040503050406030204" pitchFamily="18" charset="0"/>
-              </a:rPr>
-              <a:t>Используем библиотеку </a:t>
-            </a:r>
-            <a:r>
-              <a:rPr lang="vi-VN" dirty="0">
-                <a:solidFill>
-                  <a:schemeClr val="accent1"/>
-                </a:solidFill>
-                <a:latin typeface="Cambria" panose="02040503050406030204" pitchFamily="18" charset="0"/>
-                <a:ea typeface="Cambria" panose="02040503050406030204" pitchFamily="18" charset="0"/>
-              </a:rPr>
-              <a:t>Schedule</a:t>
-            </a:r>
-            <a:r>
-              <a:rPr lang="vi-VN" dirty="0">
-                <a:latin typeface="Cambria" panose="02040503050406030204" pitchFamily="18" charset="0"/>
-                <a:ea typeface="Cambria" panose="02040503050406030204" pitchFamily="18" charset="0"/>
-              </a:rPr>
-              <a:t> and </a:t>
-            </a:r>
-            <a:r>
-              <a:rPr lang="vi-VN" dirty="0">
-                <a:solidFill>
-                  <a:schemeClr val="accent1"/>
-                </a:solidFill>
-                <a:latin typeface="Cambria" panose="02040503050406030204" pitchFamily="18" charset="0"/>
-                <a:ea typeface="Cambria" panose="02040503050406030204" pitchFamily="18" charset="0"/>
-              </a:rPr>
-              <a:t>APSchecduler</a:t>
-            </a:r>
-            <a:r>
-              <a:rPr lang="vi-VN" dirty="0">
-                <a:latin typeface="Cambria" panose="02040503050406030204" pitchFamily="18" charset="0"/>
-                <a:ea typeface="Cambria" panose="02040503050406030204" pitchFamily="18" charset="0"/>
-              </a:rPr>
-              <a:t> </a:t>
-            </a:r>
-            <a:r>
-              <a:rPr lang="ru-RU" dirty="0">
-                <a:latin typeface="Cambria" panose="02040503050406030204" pitchFamily="18" charset="0"/>
-                <a:ea typeface="Cambria" panose="02040503050406030204" pitchFamily="18" charset="0"/>
-              </a:rPr>
-              <a:t>для проверки времени</a:t>
-            </a:r>
-            <a:endParaRPr lang="vi-VN" dirty="0">
-              <a:latin typeface="Cambria" panose="02040503050406030204" pitchFamily="18" charset="0"/>
-              <a:ea typeface="Cambria" panose="02040503050406030204" pitchFamily="18" charset="0"/>
-            </a:endParaRPr>
-          </a:p>
-          <a:p>
-            <a:pPr marL="285750" indent="-285750">
-              <a:buFont typeface="Arial" panose="020B0604020202020204" pitchFamily="34" charset="0"/>
-              <a:buChar char="•"/>
-            </a:pPr>
-            <a:endParaRPr lang="ru-RU" dirty="0">
-              <a:latin typeface="Cambria" panose="02040503050406030204" pitchFamily="18" charset="0"/>
-              <a:ea typeface="Cambria" panose="02040503050406030204" pitchFamily="18" charset="0"/>
-            </a:endParaRPr>
-          </a:p>
-          <a:p>
-            <a:pPr marL="285750" indent="-285750">
-              <a:buFont typeface="Arial" panose="020B0604020202020204" pitchFamily="34" charset="0"/>
-              <a:buChar char="•"/>
-            </a:pPr>
-            <a:r>
-              <a:rPr lang="ru-RU" dirty="0">
-                <a:latin typeface="Cambria" panose="02040503050406030204" pitchFamily="18" charset="0"/>
-                <a:ea typeface="Cambria" panose="02040503050406030204" pitchFamily="18" charset="0"/>
-              </a:rPr>
-              <a:t>Отправляйте уведомления с помощью </a:t>
-            </a:r>
-            <a:r>
-              <a:rPr lang="vi-VN" dirty="0">
-                <a:solidFill>
-                  <a:schemeClr val="accent1"/>
-                </a:solidFill>
-                <a:latin typeface="Cambria" panose="02040503050406030204" pitchFamily="18" charset="0"/>
-                <a:ea typeface="Cambria" panose="02040503050406030204" pitchFamily="18" charset="0"/>
-              </a:rPr>
-              <a:t>plyer.notification</a:t>
-            </a:r>
-            <a:endParaRPr lang="en-US" dirty="0">
-              <a:solidFill>
-                <a:schemeClr val="accent1"/>
-              </a:solidFill>
-              <a:latin typeface="Cambria" panose="02040503050406030204" pitchFamily="18" charset="0"/>
-              <a:ea typeface="Cambria" panose="02040503050406030204" pitchFamily="18" charset="0"/>
-            </a:endParaRPr>
-          </a:p>
-        </p:txBody>
-      </p:sp>
-      <p:sp>
-        <p:nvSpPr>
-          <p:cNvPr id="8" name="TextBox 7">
+        </p:spPr>
+      </p:pic>
+      <p:pic>
+        <p:nvPicPr>
+          <p:cNvPr id="10" name="Picture 9">
             <a:extLst>
               <a:ext uri="{FF2B5EF4-FFF2-40B4-BE49-F238E27FC236}">
-                <a16:creationId xmlns:a16="http://schemas.microsoft.com/office/drawing/2014/main" id="{6A02D7FA-8F1D-D9AA-7737-372BA90BB2E6}"/>
+                <a16:creationId xmlns:a16="http://schemas.microsoft.com/office/drawing/2014/main" id="{E141853C-4C85-02EC-B8CD-4187DEE32212}"/>
               </a:ext>
             </a:extLst>
           </p:cNvPr>
-          <p:cNvSpPr txBox="1"/>
+          <p:cNvPicPr>
+            <a:picLocks noChangeAspect="1"/>
+          </p:cNvPicPr>
           <p:nvPr/>
-        </p:nvSpPr>
-        <p:spPr>
-          <a:xfrm>
-            <a:off x="880280" y="1378424"/>
-            <a:ext cx="6912591" cy="646331"/>
+        </p:nvPicPr>
+        <p:blipFill>
+          <a:blip r:embed="rId5"/>
+          <a:stretch>
+            <a:fillRect/>
+          </a:stretch>
+        </p:blipFill>
+        <p:spPr>
+          <a:xfrm>
+            <a:off x="6606556" y="2571750"/>
+            <a:ext cx="543001" cy="1857634"/>
           </a:xfrm>
           <a:prstGeom prst="rect">
             <a:avLst/>
           </a:prstGeom>
-          <a:noFill/>
-        </p:spPr>
-        <p:txBody>
-          <a:bodyPr wrap="square">
-            <a:spAutoFit/>
-          </a:bodyPr>
-          <a:lstStyle/>
-          <a:p>
-            <a:pPr marL="285750" indent="-285750">
-              <a:buFont typeface="Arial" panose="020B0604020202020204" pitchFamily="34" charset="0"/>
-              <a:buChar char="•"/>
-            </a:pPr>
-            <a:r>
-              <a:rPr lang="ru-RU" dirty="0">
-                <a:latin typeface="Cambria" panose="02040503050406030204" pitchFamily="18" charset="0"/>
-                <a:ea typeface="Cambria" panose="02040503050406030204" pitchFamily="18" charset="0"/>
-              </a:rPr>
-              <a:t>Цель: Автоматическая проверка крайнего срока и отправка уведомления пользователю, когда остается менее 24 часов.</a:t>
-            </a:r>
-            <a:endParaRPr lang="en-US" dirty="0">
-              <a:latin typeface="Cambria" panose="02040503050406030204" pitchFamily="18" charset="0"/>
-              <a:ea typeface="Cambria" panose="02040503050406030204" pitchFamily="18" charset="0"/>
-            </a:endParaRPr>
-          </a:p>
-        </p:txBody>
-      </p:sp>
+        </p:spPr>
+      </p:pic>
+      <p:pic>
+        <p:nvPicPr>
+          <p:cNvPr id="12" name="Picture 11">
+            <a:extLst>
+              <a:ext uri="{FF2B5EF4-FFF2-40B4-BE49-F238E27FC236}">
+                <a16:creationId xmlns:a16="http://schemas.microsoft.com/office/drawing/2014/main" id="{6C04A78D-5D57-8C8A-DD3E-7917C275B34B}"/>
+              </a:ext>
+            </a:extLst>
+          </p:cNvPr>
+          <p:cNvPicPr>
+            <a:picLocks noChangeAspect="1"/>
+          </p:cNvPicPr>
+          <p:nvPr/>
+        </p:nvPicPr>
+        <p:blipFill>
+          <a:blip r:embed="rId6"/>
+          <a:stretch>
+            <a:fillRect/>
+          </a:stretch>
+        </p:blipFill>
+        <p:spPr>
+          <a:xfrm>
+            <a:off x="7381121" y="2571750"/>
+            <a:ext cx="733527" cy="1819529"/>
+          </a:xfrm>
+          <a:prstGeom prst="rect">
+            <a:avLst/>
+          </a:prstGeom>
+        </p:spPr>
+      </p:pic>
     </p:spTree>
     <p:extLst>
       <p:ext uri="{BB962C8B-B14F-4D97-AF65-F5344CB8AC3E}">
@@ -5820,12 +7787,72 @@
           <a:chExt cx="0" cy="0"/>
         </a:xfrm>
       </p:grpSpPr>
-      <p:sp>
-        <p:nvSpPr>
-          <p:cNvPr id="6" name="TextBox 5">
+      <p:pic>
+        <p:nvPicPr>
+          <p:cNvPr id="3" name="Рисунок 2" descr="Изображение выглядит как текст, снимок экрана, программное обеспечение, число&#10;&#10;Содержимое, созданное искусственным интеллектом, может быть неверным.">
             <a:extLst>
               <a:ext uri="{FF2B5EF4-FFF2-40B4-BE49-F238E27FC236}">
-                <a16:creationId xmlns:a16="http://schemas.microsoft.com/office/drawing/2014/main" id="{5DE713E9-01F3-4DD5-37DF-0ACEEF436177}"/>
+                <a16:creationId xmlns:a16="http://schemas.microsoft.com/office/drawing/2014/main" id="{E0B2CFDC-07A4-DC1A-127B-E2F60D052E83}"/>
+              </a:ext>
+            </a:extLst>
+          </p:cNvPr>
+          <p:cNvPicPr>
+            <a:picLocks noChangeAspect="1"/>
+          </p:cNvPicPr>
+          <p:nvPr/>
+        </p:nvPicPr>
+        <p:blipFill>
+          <a:blip r:embed="rId2"/>
+          <a:stretch>
+            <a:fillRect/>
+          </a:stretch>
+        </p:blipFill>
+        <p:spPr>
+          <a:xfrm>
+            <a:off x="1033354" y="1081914"/>
+            <a:ext cx="3378215" cy="3162090"/>
+          </a:xfrm>
+          <a:prstGeom prst="rect">
+            <a:avLst/>
+          </a:prstGeom>
+        </p:spPr>
+      </p:pic>
+      <p:pic>
+        <p:nvPicPr>
+          <p:cNvPr id="5" name="Рисунок 4" descr="Изображение выглядит как снимок экрана, текст, программное обеспечение, Мультимедийное программное обеспечение&#10;&#10;Содержимое, созданное искусственным интеллектом, может быть неверным.">
+            <a:extLst>
+              <a:ext uri="{FF2B5EF4-FFF2-40B4-BE49-F238E27FC236}">
+                <a16:creationId xmlns:a16="http://schemas.microsoft.com/office/drawing/2014/main" id="{04B52681-1229-2045-038D-607E498E9732}"/>
+              </a:ext>
+            </a:extLst>
+          </p:cNvPr>
+          <p:cNvPicPr>
+            <a:picLocks noChangeAspect="1"/>
+          </p:cNvPicPr>
+          <p:nvPr/>
+        </p:nvPicPr>
+        <p:blipFill>
+          <a:blip r:embed="rId3"/>
+          <a:stretch>
+            <a:fillRect/>
+          </a:stretch>
+        </p:blipFill>
+        <p:spPr>
+          <a:xfrm>
+            <a:off x="4732432" y="1048013"/>
+            <a:ext cx="3258332" cy="3229891"/>
+          </a:xfrm>
+          <a:prstGeom prst="rect">
+            <a:avLst/>
+          </a:prstGeom>
+        </p:spPr>
+      </p:pic>
+      <p:sp>
+        <p:nvSpPr>
+          <p:cNvPr id="7" name="TextBox 6">
+            <a:extLst>
+              <a:ext uri="{FF2B5EF4-FFF2-40B4-BE49-F238E27FC236}">
+                <a16:creationId xmlns:a16="http://schemas.microsoft.com/office/drawing/2014/main" id="{59984747-6589-C961-DC02-A2DD2464E5ED}"/>
               </a:ext>
             </a:extLst>
           </p:cNvPr>
@@ -5834,8 +7861,8 @@
         </p:nvSpPr>
         <p:spPr>
           <a:xfrm>
-            <a:off x="646562" y="1343882"/>
-            <a:ext cx="5114498" cy="369332"/>
+            <a:off x="5898232" y="712582"/>
+            <a:ext cx="1293750" cy="369332"/>
           </a:xfrm>
           <a:prstGeom prst="rect">
             <a:avLst/>
@@ -5843,304 +7870,35 @@
           <a:noFill/>
         </p:spPr>
         <p:txBody>
-          <a:bodyPr wrap="square">
+          <a:bodyPr wrap="square" rtlCol="0">
             <a:spAutoFit/>
           </a:bodyPr>
           <a:lstStyle/>
           <a:p>
             <a:r>
-              <a:rPr lang="vi-VN" dirty="0">
-                <a:latin typeface="Cambria" panose="02040503050406030204" pitchFamily="18" charset="0"/>
-                <a:ea typeface="Cambria" panose="02040503050406030204" pitchFamily="18" charset="0"/>
-              </a:rPr>
-              <a:t>6. </a:t>
-            </a:r>
-            <a:r>
               <a:rPr lang="en-US" dirty="0">
-                <a:latin typeface="Cambria" panose="02040503050406030204" pitchFamily="18" charset="0"/>
-                <a:ea typeface="Cambria" panose="02040503050406030204" pitchFamily="18" charset="0"/>
-              </a:rPr>
-              <a:t>📦 </a:t>
-            </a:r>
-            <a:r>
-              <a:rPr lang="ru-RU" dirty="0">
-                <a:latin typeface="Cambria" panose="02040503050406030204" pitchFamily="18" charset="0"/>
-                <a:ea typeface="Cambria" panose="02040503050406030204" pitchFamily="18" charset="0"/>
-              </a:rPr>
-              <a:t>Упаковка приложения</a:t>
-            </a:r>
-            <a:endParaRPr lang="en-US" dirty="0">
-              <a:latin typeface="Cambria" panose="02040503050406030204" pitchFamily="18" charset="0"/>
-              <a:ea typeface="Cambria" panose="02040503050406030204" pitchFamily="18" charset="0"/>
-            </a:endParaRPr>
-          </a:p>
-        </p:txBody>
-      </p:sp>
-      <p:sp>
-        <p:nvSpPr>
-          <p:cNvPr id="8" name="Rectangle 2">
-            <a:extLst>
-              <a:ext uri="{FF2B5EF4-FFF2-40B4-BE49-F238E27FC236}">
-                <a16:creationId xmlns:a16="http://schemas.microsoft.com/office/drawing/2014/main" id="{75A29D5A-9049-282C-6FAF-F49B38478086}"/>
-              </a:ext>
-            </a:extLst>
-          </p:cNvPr>
-          <p:cNvSpPr>
-            <a:spLocks noChangeArrowheads="1"/>
-          </p:cNvSpPr>
-          <p:nvPr/>
-        </p:nvSpPr>
-        <p:spPr bwMode="auto">
-          <a:xfrm>
-            <a:off x="1057701" y="1829664"/>
-            <a:ext cx="5173211" cy="369332"/>
-          </a:xfrm>
-          <a:prstGeom prst="rect">
-            <a:avLst/>
-          </a:prstGeom>
-          <a:noFill/>
-          <a:ln>
-            <a:noFill/>
-          </a:ln>
-          <a:effectLst/>
-          <a:extLst>
-            <a:ext uri="{909E8E84-426E-40DD-AFC4-6F175D3DCCD1}">
-              <a14:hiddenFill xmlns:a14="http://schemas.microsoft.com/office/drawing/2010/main">
                 <a:solidFill>
-                  <a:schemeClr val="accent1"/>
-                </a:solidFill>
-              </a14:hiddenFill>
-            </a:ext>
-            <a:ext uri="{91240B29-F687-4F45-9708-019B960494DF}">
-              <a14:hiddenLine xmlns:a14="http://schemas.microsoft.com/office/drawing/2010/main" w="9525">
-                <a:solidFill>
-                  <a:schemeClr val="tx1"/>
-                </a:solidFill>
-                <a:miter lim="800000"/>
-                <a:headEnd/>
-                <a:tailEnd/>
-              </a14:hiddenLine>
-            </a:ext>
-            <a:ext uri="{AF507438-7753-43E0-B8FC-AC1667EBCBE1}">
-              <a14:hiddenEffects xmlns:a14="http://schemas.microsoft.com/office/drawing/2010/main">
-                <a:effectLst>
-                  <a:outerShdw dist="35921" dir="2700000" algn="ctr" rotWithShape="0">
-                    <a:schemeClr val="bg2"/>
-                  </a:outerShdw>
-                </a:effectLst>
-              </a14:hiddenEffects>
-            </a:ext>
-          </a:extLst>
-        </p:spPr>
-        <p:txBody>
-          <a:bodyPr vert="horz" wrap="none" lIns="91440" tIns="45720" rIns="91440" bIns="45720" numCol="1" anchor="ctr" anchorCtr="0" compatLnSpc="1">
-            <a:prstTxWarp prst="textNoShape">
-              <a:avLst/>
-            </a:prstTxWarp>
-            <a:spAutoFit/>
-          </a:bodyPr>
-          <a:lstStyle/>
-          <a:p>
-            <a:pPr marL="0" marR="0" lvl="0" indent="0" algn="l" defTabSz="914400" rtl="0" eaLnBrk="0" fontAlgn="base" latinLnBrk="0" hangingPunct="0">
-              <a:lnSpc>
-                <a:spcPct val="100000"/>
-              </a:lnSpc>
-              <a:spcBef>
-                <a:spcPct val="0"/>
-              </a:spcBef>
-              <a:spcAft>
-                <a:spcPct val="0"/>
-              </a:spcAft>
-              <a:buClrTx/>
-              <a:buSzTx/>
-              <a:buFontTx/>
-              <a:buNone/>
-              <a:tabLst/>
-            </a:pPr>
-            <a:r>
-              <a:rPr lang="ru-RU" altLang="en-US" dirty="0">
-                <a:latin typeface="Cambria" panose="02040503050406030204" pitchFamily="18" charset="0"/>
-                <a:ea typeface="Cambria" panose="02040503050406030204" pitchFamily="18" charset="0"/>
-              </a:rPr>
-              <a:t>И</a:t>
-            </a:r>
-            <a:r>
-              <a:rPr kumimoji="0" lang="en-US" altLang="en-US" sz="1800" b="0" i="0" u="none" strike="noStrike" cap="none" normalizeH="0" baseline="0" dirty="0" err="1">
-                <a:ln>
-                  <a:noFill/>
-                </a:ln>
-                <a:solidFill>
-                  <a:schemeClr val="tx1"/>
-                </a:solidFill>
-                <a:effectLst/>
-                <a:latin typeface="Cambria" panose="02040503050406030204" pitchFamily="18" charset="0"/>
-                <a:ea typeface="Cambria" panose="02040503050406030204" pitchFamily="18" charset="0"/>
-              </a:rPr>
-              <a:t>спользуйте</a:t>
-            </a:r>
-            <a:r>
-              <a:rPr kumimoji="0" lang="en-US" altLang="en-US" sz="1800" b="0" i="0" u="none" strike="noStrike" cap="none" normalizeH="0" baseline="0" dirty="0">
-                <a:ln>
-                  <a:noFill/>
-                </a:ln>
-                <a:solidFill>
-                  <a:schemeClr val="tx1"/>
-                </a:solidFill>
-                <a:effectLst/>
-                <a:latin typeface="Cambria" panose="02040503050406030204" pitchFamily="18" charset="0"/>
-                <a:ea typeface="Cambria" panose="02040503050406030204" pitchFamily="18" charset="0"/>
-              </a:rPr>
-              <a:t> </a:t>
-            </a:r>
-            <a:r>
-              <a:rPr kumimoji="0" lang="vi-VN" altLang="en-US" sz="1800" b="0" i="0" u="none" strike="noStrike" cap="none" normalizeH="0" baseline="0" dirty="0">
-                <a:ln>
-                  <a:noFill/>
-                </a:ln>
-                <a:solidFill>
-                  <a:schemeClr val="accent1"/>
-                </a:solidFill>
-                <a:effectLst/>
-                <a:latin typeface="Cambria" panose="02040503050406030204" pitchFamily="18" charset="0"/>
-                <a:ea typeface="Cambria" panose="02040503050406030204" pitchFamily="18" charset="0"/>
-              </a:rPr>
-              <a:t>Buildozer</a:t>
-            </a:r>
-            <a:r>
-              <a:rPr kumimoji="0" lang="en-US" altLang="en-US" sz="1800" b="0" i="0" u="none" strike="noStrike" cap="none" normalizeH="0" baseline="0" dirty="0">
-                <a:ln>
-                  <a:noFill/>
-                </a:ln>
-                <a:solidFill>
-                  <a:schemeClr val="tx1"/>
-                </a:solidFill>
-                <a:effectLst/>
-                <a:latin typeface="Cambria" panose="02040503050406030204" pitchFamily="18" charset="0"/>
-                <a:ea typeface="Cambria" panose="02040503050406030204" pitchFamily="18" charset="0"/>
-              </a:rPr>
-              <a:t> </a:t>
-            </a:r>
-            <a:r>
-              <a:rPr kumimoji="0" lang="en-US" altLang="en-US" sz="1800" b="0" i="0" u="none" strike="noStrike" cap="none" normalizeH="0" baseline="0" dirty="0" err="1">
-                <a:ln>
-                  <a:noFill/>
-                </a:ln>
-                <a:solidFill>
-                  <a:schemeClr val="tx1"/>
-                </a:solidFill>
-                <a:effectLst/>
-                <a:latin typeface="Cambria" panose="02040503050406030204" pitchFamily="18" charset="0"/>
-                <a:ea typeface="Cambria" panose="02040503050406030204" pitchFamily="18" charset="0"/>
-              </a:rPr>
-              <a:t>для</a:t>
-            </a:r>
-            <a:r>
-              <a:rPr kumimoji="0" lang="en-US" altLang="en-US" sz="1800" b="0" i="0" u="none" strike="noStrike" cap="none" normalizeH="0" baseline="0" dirty="0">
-                <a:ln>
-                  <a:noFill/>
-                </a:ln>
-                <a:solidFill>
-                  <a:schemeClr val="tx1"/>
-                </a:solidFill>
-                <a:effectLst/>
-                <a:latin typeface="Cambria" panose="02040503050406030204" pitchFamily="18" charset="0"/>
-                <a:ea typeface="Cambria" panose="02040503050406030204" pitchFamily="18" charset="0"/>
-              </a:rPr>
-              <a:t> </a:t>
-            </a:r>
-            <a:r>
-              <a:rPr kumimoji="0" lang="en-US" altLang="en-US" sz="1800" b="0" i="0" u="none" strike="noStrike" cap="none" normalizeH="0" baseline="0" dirty="0" err="1">
-                <a:ln>
-                  <a:noFill/>
-                </a:ln>
-                <a:solidFill>
-                  <a:schemeClr val="tx1"/>
-                </a:solidFill>
-                <a:effectLst/>
-                <a:latin typeface="Cambria" panose="02040503050406030204" pitchFamily="18" charset="0"/>
-                <a:ea typeface="Cambria" panose="02040503050406030204" pitchFamily="18" charset="0"/>
-              </a:rPr>
-              <a:t>создания</a:t>
-            </a:r>
-            <a:r>
-              <a:rPr kumimoji="0" lang="en-US" altLang="en-US" sz="1800" b="0" i="0" u="none" strike="noStrike" cap="none" normalizeH="0" baseline="0" dirty="0">
-                <a:ln>
-                  <a:noFill/>
-                </a:ln>
-                <a:solidFill>
-                  <a:schemeClr val="tx1"/>
-                </a:solidFill>
-                <a:effectLst/>
-                <a:latin typeface="Cambria" panose="02040503050406030204" pitchFamily="18" charset="0"/>
-                <a:ea typeface="Cambria" panose="02040503050406030204" pitchFamily="18" charset="0"/>
-              </a:rPr>
-              <a:t> </a:t>
-            </a:r>
-            <a:r>
-              <a:rPr kumimoji="0" lang="en-US" altLang="en-US" sz="1800" b="0" i="0" u="none" strike="noStrike" cap="none" normalizeH="0" baseline="0" dirty="0" err="1">
-                <a:ln>
-                  <a:noFill/>
-                </a:ln>
-                <a:solidFill>
-                  <a:schemeClr val="tx1"/>
-                </a:solidFill>
-                <a:effectLst/>
-                <a:latin typeface="Cambria" panose="02040503050406030204" pitchFamily="18" charset="0"/>
-                <a:ea typeface="Cambria" panose="02040503050406030204" pitchFamily="18" charset="0"/>
-              </a:rPr>
-              <a:t>файла</a:t>
-            </a:r>
-            <a:r>
-              <a:rPr lang="vi-VN" altLang="en-US" dirty="0">
-                <a:latin typeface="Cambria" panose="02040503050406030204" pitchFamily="18" charset="0"/>
-                <a:ea typeface="Cambria" panose="02040503050406030204" pitchFamily="18" charset="0"/>
-              </a:rPr>
-              <a:t> </a:t>
-            </a:r>
-            <a:r>
-              <a:rPr lang="vi-VN" altLang="en-US" dirty="0">
-                <a:solidFill>
-                  <a:schemeClr val="accent1"/>
+                  <a:srgbClr val="000000"/>
                 </a:solidFill>
                 <a:latin typeface="Cambria" panose="02040503050406030204" pitchFamily="18" charset="0"/>
                 <a:ea typeface="Cambria" panose="02040503050406030204" pitchFamily="18" charset="0"/>
               </a:rPr>
-              <a:t>.apk</a:t>
-            </a:r>
-            <a:r>
-              <a:rPr kumimoji="0" lang="en-US" altLang="en-US" sz="600" b="0" i="0" u="none" strike="noStrike" cap="none" normalizeH="0" baseline="0" dirty="0">
-                <a:ln>
-                  <a:noFill/>
-                </a:ln>
-                <a:solidFill>
-                  <a:schemeClr val="accent1"/>
-                </a:solidFill>
-                <a:effectLst/>
-                <a:latin typeface="Cambria" panose="02040503050406030204" pitchFamily="18" charset="0"/>
-                <a:ea typeface="Cambria" panose="02040503050406030204" pitchFamily="18" charset="0"/>
-              </a:rPr>
-              <a:t> </a:t>
-            </a:r>
-            <a:endParaRPr kumimoji="0" lang="en-US" altLang="en-US" sz="1800" b="0" i="0" u="none" strike="noStrike" cap="none" normalizeH="0" baseline="0" dirty="0">
-              <a:ln>
-                <a:noFill/>
-              </a:ln>
+              <a:t>Dark mode</a:t>
+            </a:r>
+            <a:endParaRPr lang="ru-RU" dirty="0">
               <a:solidFill>
-                <a:schemeClr val="accent1"/>
+                <a:srgbClr val="000000"/>
               </a:solidFill>
-              <a:effectLst/>
-              <a:latin typeface="Cambria" panose="02040503050406030204" pitchFamily="18" charset="0"/>
-              <a:ea typeface="Cambria" panose="02040503050406030204" pitchFamily="18" charset="0"/>
             </a:endParaRPr>
           </a:p>
         </p:txBody>
       </p:sp>
       <p:sp>
         <p:nvSpPr>
-          <p:cNvPr id="9" name="TextBox 8">
+          <p:cNvPr id="10" name="TextBox 9">
             <a:extLst>
               <a:ext uri="{FF2B5EF4-FFF2-40B4-BE49-F238E27FC236}">
-                <a16:creationId xmlns:a16="http://schemas.microsoft.com/office/drawing/2014/main" id="{D4438E24-39B5-E687-CD05-15C481D66746}"/>
+                <a16:creationId xmlns:a16="http://schemas.microsoft.com/office/drawing/2014/main" id="{995787E0-179B-686C-1594-3F205AAF2568}"/>
               </a:ext>
             </a:extLst>
           </p:cNvPr>
@@ -6149,8 +7907,8 @@
         </p:nvSpPr>
         <p:spPr>
           <a:xfrm>
-            <a:off x="646562" y="2494140"/>
-            <a:ext cx="4537881" cy="369332"/>
+            <a:off x="1840062" y="727596"/>
+            <a:ext cx="1888482" cy="369332"/>
           </a:xfrm>
           <a:prstGeom prst="rect">
             <a:avLst/>
@@ -6164,104 +7922,19 @@
           <a:lstStyle/>
           <a:p>
             <a:r>
-              <a:rPr lang="vi-VN" dirty="0">
+              <a:rPr lang="en-US" dirty="0">
+                <a:solidFill>
+                  <a:srgbClr val="000000"/>
+                </a:solidFill>
                 <a:latin typeface="Cambria" panose="02040503050406030204" pitchFamily="18" charset="0"/>
                 <a:ea typeface="Cambria" panose="02040503050406030204" pitchFamily="18" charset="0"/>
               </a:rPr>
-              <a:t>7. </a:t>
-            </a:r>
-            <a:r>
-              <a:rPr lang="ru-RU" dirty="0">
-                <a:latin typeface="Cambria" panose="02040503050406030204" pitchFamily="18" charset="0"/>
-                <a:ea typeface="Cambria" panose="02040503050406030204" pitchFamily="18" charset="0"/>
-              </a:rPr>
-              <a:t>Тестирование и улучшение</a:t>
-            </a:r>
-            <a:endParaRPr lang="en-US" dirty="0">
-              <a:latin typeface="Cambria" panose="02040503050406030204" pitchFamily="18" charset="0"/>
-              <a:ea typeface="Cambria" panose="02040503050406030204" pitchFamily="18" charset="0"/>
-            </a:endParaRPr>
-          </a:p>
-        </p:txBody>
-      </p:sp>
-      <p:sp>
-        <p:nvSpPr>
-          <p:cNvPr id="13" name="TextBox 12">
-            <a:extLst>
-              <a:ext uri="{FF2B5EF4-FFF2-40B4-BE49-F238E27FC236}">
-                <a16:creationId xmlns:a16="http://schemas.microsoft.com/office/drawing/2014/main" id="{233A2BD7-BA05-2DEF-D389-9CA18368D87D}"/>
-              </a:ext>
-            </a:extLst>
-          </p:cNvPr>
-          <p:cNvSpPr txBox="1"/>
-          <p:nvPr/>
-        </p:nvSpPr>
-        <p:spPr>
-          <a:xfrm>
-            <a:off x="1131056" y="2841716"/>
-            <a:ext cx="4582236" cy="1477328"/>
-          </a:xfrm>
-          <a:prstGeom prst="rect">
-            <a:avLst/>
-          </a:prstGeom>
-          <a:noFill/>
-        </p:spPr>
-        <p:txBody>
-          <a:bodyPr wrap="square">
-            <a:spAutoFit/>
-          </a:bodyPr>
-          <a:lstStyle/>
-          <a:p>
-            <a:pPr marL="285750" indent="-285750">
-              <a:buFont typeface="Arial" panose="020B0604020202020204" pitchFamily="34" charset="0"/>
-              <a:buChar char="•"/>
-            </a:pPr>
-            <a:r>
-              <a:rPr lang="ru-RU" dirty="0">
-                <a:latin typeface="Cambria" panose="02040503050406030204" pitchFamily="18" charset="0"/>
-                <a:ea typeface="Cambria" panose="02040503050406030204" pitchFamily="18" charset="0"/>
-              </a:rPr>
-              <a:t>Создание нескольких тестовых задач</a:t>
-            </a:r>
-            <a:endParaRPr lang="vi-VN" dirty="0">
-              <a:latin typeface="Cambria" panose="02040503050406030204" pitchFamily="18" charset="0"/>
-              <a:ea typeface="Cambria" panose="02040503050406030204" pitchFamily="18" charset="0"/>
-            </a:endParaRPr>
-          </a:p>
-          <a:p>
-            <a:pPr marL="285750" indent="-285750">
-              <a:buFont typeface="Arial" panose="020B0604020202020204" pitchFamily="34" charset="0"/>
-              <a:buChar char="•"/>
-            </a:pPr>
-            <a:r>
-              <a:rPr lang="ru-RU" dirty="0">
-                <a:latin typeface="Cambria" panose="02040503050406030204" pitchFamily="18" charset="0"/>
-                <a:ea typeface="Cambria" panose="02040503050406030204" pitchFamily="18" charset="0"/>
-              </a:rPr>
-              <a:t>Проверка интерфейса, стабильности, функции напоминания</a:t>
-            </a:r>
-            <a:endParaRPr lang="vi-VN" dirty="0">
-              <a:latin typeface="Cambria" panose="02040503050406030204" pitchFamily="18" charset="0"/>
-              <a:ea typeface="Cambria" panose="02040503050406030204" pitchFamily="18" charset="0"/>
-            </a:endParaRPr>
-          </a:p>
-          <a:p>
-            <a:pPr marL="285750" indent="-285750">
-              <a:buFont typeface="Arial" panose="020B0604020202020204" pitchFamily="34" charset="0"/>
-              <a:buChar char="•"/>
-            </a:pPr>
-            <a:r>
-              <a:rPr lang="ru-RU" dirty="0">
-                <a:latin typeface="Cambria" panose="02040503050406030204" pitchFamily="18" charset="0"/>
-                <a:ea typeface="Cambria" panose="02040503050406030204" pitchFamily="18" charset="0"/>
-              </a:rPr>
-              <a:t>Улучшение на основе обратной связи</a:t>
-            </a:r>
-          </a:p>
-          <a:p>
-            <a:endParaRPr lang="en-US" dirty="0">
-              <a:latin typeface="Cambria" panose="02040503050406030204" pitchFamily="18" charset="0"/>
-              <a:ea typeface="Cambria" panose="02040503050406030204" pitchFamily="18" charset="0"/>
+              <a:t>White mode</a:t>
+            </a:r>
+            <a:endParaRPr lang="ru-RU" dirty="0">
+              <a:solidFill>
+                <a:srgbClr val="000000"/>
+              </a:solidFill>
             </a:endParaRPr>
           </a:p>
         </p:txBody>
@@ -6282,20 +7955,6 @@
 <file path=ppt/slides/slide7.xml><?xml version="1.0" encoding="utf-8"?>
 <p:sld xmlns:a="http://schemas.openxmlformats.org/drawingml/2006/main" xmlns:r="http://schemas.openxmlformats.org/officeDocument/2006/relationships" xmlns:p="http://schemas.openxmlformats.org/presentationml/2006/main">
   <p:cSld>
-    <p:bg>
-      <p:bgPr>
-        <a:blipFill dpi="0" rotWithShape="1">
-          <a:blip r:embed="rId2">
-            <a:lum/>
-          </a:blip>
-          <a:srcRect/>
-          <a:stretch>
-            <a:fillRect/>
-          </a:stretch>
-        </a:blipFill>
-        <a:effectLst/>
-      </p:bgPr>
-    </p:bg>
     <p:spTree>
       <p:nvGrpSpPr>
         <p:cNvPr id="1" name=""/>
@@ -6312,70 +7971,442 @@
       </p:grpSpPr>
       <p:sp>
         <p:nvSpPr>
-          <p:cNvPr id="2" name="Title 1"/>
+          <p:cNvPr id="15" name="Footer Placeholder 14">
+            <a:extLst>
+              <a:ext uri="{FF2B5EF4-FFF2-40B4-BE49-F238E27FC236}">
+                <a16:creationId xmlns:a16="http://schemas.microsoft.com/office/drawing/2014/main" id="{2AFF66D0-88D5-E53D-9EAE-5E245FF9CD34}"/>
+              </a:ext>
+            </a:extLst>
+          </p:cNvPr>
           <p:cNvSpPr>
             <a:spLocks noGrp="1"/>
           </p:cNvSpPr>
           <p:nvPr>
-            <p:ph type="title"/>
+            <p:ph type="ftr" sz="quarter" idx="3"/>
           </p:nvPr>
         </p:nvSpPr>
-        <p:spPr>
-          <a:xfrm>
-            <a:off x="457200" y="1700037"/>
-            <a:ext cx="8229600" cy="620483"/>
-          </a:xfrm>
-        </p:spPr>
+        <p:spPr/>
         <p:txBody>
           <a:bodyPr/>
           <a:lstStyle/>
           <a:p>
             <a:r>
-              <a:rPr lang="ru-RU" dirty="0"/>
-              <a:t>Спасибо за внимание</a:t>
-            </a:r>
-            <a:r>
-              <a:rPr lang="en-US" dirty="0"/>
-              <a:t>!</a:t>
-            </a:r>
+              <a:rPr lang="en-US"/>
+              <a:t>International Students and Scholars Rock</a:t>
+            </a:r>
+            <a:endParaRPr lang="en-US" dirty="0"/>
           </a:p>
         </p:txBody>
       </p:sp>
-      <p:sp>
-        <p:nvSpPr>
-          <p:cNvPr id="3" name="Text Placeholder 2"/>
-          <p:cNvSpPr>
-            <a:spLocks noGrp="1"/>
-          </p:cNvSpPr>
+      <p:pic>
+        <p:nvPicPr>
+          <p:cNvPr id="21" name="Content Placeholder 20" descr="A screenshot of a computer program&#10;&#10;AI-generated content may be incorrect.">
+            <a:extLst>
+              <a:ext uri="{FF2B5EF4-FFF2-40B4-BE49-F238E27FC236}">
+                <a16:creationId xmlns:a16="http://schemas.microsoft.com/office/drawing/2014/main" id="{EA3EF72E-D574-BB5C-AB4F-0D399C014FA8}"/>
+              </a:ext>
+            </a:extLst>
+          </p:cNvPr>
+          <p:cNvPicPr>
+            <a:picLocks noGrp="1" noChangeAspect="1"/>
+          </p:cNvPicPr>
           <p:nvPr>
-            <p:ph type="body" sz="quarter" idx="10"/>
+            <p:ph sz="half" idx="4294967295"/>
           </p:nvPr>
-        </p:nvSpPr>
-        <p:spPr>
-          <a:xfrm>
-            <a:off x="457200" y="2490643"/>
-            <a:ext cx="8229600" cy="594122"/>
-          </a:xfrm>
-        </p:spPr>
-        <p:txBody>
-          <a:bodyPr/>
-          <a:lstStyle/>
-          <a:p>
-            <a:r>
-              <a:rPr lang="en-US" dirty="0"/>
-              <a:t>www.</a:t>
-            </a:r>
-            <a:r>
-              <a:rPr lang="pl-PL" dirty="0"/>
-              <a:t>ifmo.ru</a:t>
-            </a:r>
-          </a:p>
-        </p:txBody>
-      </p:sp>
+        </p:nvPicPr>
+        <p:blipFill>
+          <a:blip r:embed="rId2"/>
+          <a:stretch>
+            <a:fillRect/>
+          </a:stretch>
+        </p:blipFill>
+        <p:spPr>
+          <a:xfrm>
+            <a:off x="546770" y="976488"/>
+            <a:ext cx="3030684" cy="3190523"/>
+          </a:xfrm>
+        </p:spPr>
+      </p:pic>
+      <p:pic>
+        <p:nvPicPr>
+          <p:cNvPr id="33" name="Picture 32" descr="A screenshot of a device&#10;&#10;AI-generated content may be incorrect.">
+            <a:extLst>
+              <a:ext uri="{FF2B5EF4-FFF2-40B4-BE49-F238E27FC236}">
+                <a16:creationId xmlns:a16="http://schemas.microsoft.com/office/drawing/2014/main" id="{5B27105D-98A4-45B6-900A-B6004627B226}"/>
+              </a:ext>
+            </a:extLst>
+          </p:cNvPr>
+          <p:cNvPicPr>
+            <a:picLocks noChangeAspect="1"/>
+          </p:cNvPicPr>
+          <p:nvPr/>
+        </p:nvPicPr>
+        <p:blipFill>
+          <a:blip r:embed="rId3"/>
+          <a:stretch>
+            <a:fillRect/>
+          </a:stretch>
+        </p:blipFill>
+        <p:spPr>
+          <a:xfrm>
+            <a:off x="3959551" y="1101366"/>
+            <a:ext cx="1090121" cy="1470383"/>
+          </a:xfrm>
+          <a:prstGeom prst="rect">
+            <a:avLst/>
+          </a:prstGeom>
+        </p:spPr>
+      </p:pic>
+      <p:pic>
+        <p:nvPicPr>
+          <p:cNvPr id="35" name="Picture 34" descr="A screenshot of a computer&#10;&#10;AI-generated content may be incorrect.">
+            <a:extLst>
+              <a:ext uri="{FF2B5EF4-FFF2-40B4-BE49-F238E27FC236}">
+                <a16:creationId xmlns:a16="http://schemas.microsoft.com/office/drawing/2014/main" id="{52C473BD-2B3A-8990-AF9F-1FCC2C75991B}"/>
+              </a:ext>
+            </a:extLst>
+          </p:cNvPr>
+          <p:cNvPicPr>
+            <a:picLocks noChangeAspect="1"/>
+          </p:cNvPicPr>
+          <p:nvPr/>
+        </p:nvPicPr>
+        <p:blipFill>
+          <a:blip r:embed="rId4"/>
+          <a:stretch>
+            <a:fillRect/>
+          </a:stretch>
+        </p:blipFill>
+        <p:spPr>
+          <a:xfrm>
+            <a:off x="5331337" y="1101366"/>
+            <a:ext cx="2748138" cy="1470382"/>
+          </a:xfrm>
+          <a:prstGeom prst="rect">
+            <a:avLst/>
+          </a:prstGeom>
+        </p:spPr>
+      </p:pic>
+      <p:pic>
+        <p:nvPicPr>
+          <p:cNvPr id="37" name="Picture 36">
+            <a:extLst>
+              <a:ext uri="{FF2B5EF4-FFF2-40B4-BE49-F238E27FC236}">
+                <a16:creationId xmlns:a16="http://schemas.microsoft.com/office/drawing/2014/main" id="{1F89805A-8E30-388F-3D00-B42455059A40}"/>
+              </a:ext>
+            </a:extLst>
+          </p:cNvPr>
+          <p:cNvPicPr>
+            <a:picLocks noChangeAspect="1"/>
+          </p:cNvPicPr>
+          <p:nvPr/>
+        </p:nvPicPr>
+        <p:blipFill>
+          <a:blip r:embed="rId5"/>
+          <a:stretch>
+            <a:fillRect/>
+          </a:stretch>
+        </p:blipFill>
+        <p:spPr>
+          <a:xfrm>
+            <a:off x="3959551" y="2931091"/>
+            <a:ext cx="4160217" cy="1165634"/>
+          </a:xfrm>
+          <a:prstGeom prst="rect">
+            <a:avLst/>
+          </a:prstGeom>
+        </p:spPr>
+      </p:pic>
     </p:spTree>
     <p:extLst>
       <p:ext uri="{BB962C8B-B14F-4D97-AF65-F5344CB8AC3E}">
-        <p14:creationId xmlns:p14="http://schemas.microsoft.com/office/powerpoint/2010/main" val="1864942597"/>
+        <p14:creationId xmlns:p14="http://schemas.microsoft.com/office/powerpoint/2010/main" val="1692419378"/>
+      </p:ext>
+    </p:extLst>
+  </p:cSld>
+  <p:clrMapOvr>
+    <a:masterClrMapping/>
+  </p:clrMapOvr>
+</p:sld>
+</file>
+
+<file path=ppt/slides/slide8.xml><?xml version="1.0" encoding="utf-8"?>
+<p:sld xmlns:a="http://schemas.openxmlformats.org/drawingml/2006/main" xmlns:r="http://schemas.openxmlformats.org/officeDocument/2006/relationships" xmlns:p="http://schemas.openxmlformats.org/presentationml/2006/main">
+  <p:cSld>
+    <p:spTree>
+      <p:nvGrpSpPr>
+        <p:cNvPr id="1" name="">
+          <a:extLst>
+            <a:ext uri="{FF2B5EF4-FFF2-40B4-BE49-F238E27FC236}">
+              <a16:creationId xmlns:a16="http://schemas.microsoft.com/office/drawing/2014/main" id="{D1526E73-AFB1-1638-6D39-7076D108493A}"/>
+            </a:ext>
+          </a:extLst>
+        </p:cNvPr>
+        <p:cNvGrpSpPr/>
+        <p:nvPr/>
+      </p:nvGrpSpPr>
+      <p:grpSpPr>
+        <a:xfrm>
+          <a:off x="0" y="0"/>
+          <a:ext cx="0" cy="0"/>
+          <a:chOff x="0" y="0"/>
+          <a:chExt cx="0" cy="0"/>
+        </a:xfrm>
+      </p:grpSpPr>
+      <p:sp>
+        <p:nvSpPr>
+          <p:cNvPr id="10" name="TextBox 9">
+            <a:extLst>
+              <a:ext uri="{FF2B5EF4-FFF2-40B4-BE49-F238E27FC236}">
+                <a16:creationId xmlns:a16="http://schemas.microsoft.com/office/drawing/2014/main" id="{24073552-7034-5833-040F-003424FD5F7D}"/>
+              </a:ext>
+            </a:extLst>
+          </p:cNvPr>
+          <p:cNvSpPr txBox="1"/>
+          <p:nvPr/>
+        </p:nvSpPr>
+        <p:spPr>
+          <a:xfrm>
+            <a:off x="3503641" y="754780"/>
+            <a:ext cx="1888482" cy="369332"/>
+          </a:xfrm>
+          <a:prstGeom prst="rect">
+            <a:avLst/>
+          </a:prstGeom>
+          <a:noFill/>
+        </p:spPr>
+        <p:txBody>
+          <a:bodyPr wrap="square" rtlCol="0">
+            <a:spAutoFit/>
+          </a:bodyPr>
+          <a:lstStyle/>
+          <a:p>
+            <a:pPr algn="ctr"/>
+            <a:r>
+              <a:rPr lang="en-US" dirty="0">
+                <a:solidFill>
+                  <a:srgbClr val="000000"/>
+                </a:solidFill>
+                <a:latin typeface="Cambria" panose="02040503050406030204" pitchFamily="18" charset="0"/>
+                <a:ea typeface="Cambria" panose="02040503050406030204" pitchFamily="18" charset="0"/>
+              </a:rPr>
+              <a:t>Statistics</a:t>
+            </a:r>
+            <a:endParaRPr lang="ru-RU" dirty="0">
+              <a:solidFill>
+                <a:srgbClr val="000000"/>
+              </a:solidFill>
+            </a:endParaRPr>
+          </a:p>
+        </p:txBody>
+      </p:sp>
+      <p:pic>
+        <p:nvPicPr>
+          <p:cNvPr id="4" name="Рисунок 3" descr="Изображение выглядит как текст, снимок экрана, программное обеспечение, Мультимедийное программное обеспечение&#10;&#10;Содержимое, созданное искусственным интеллектом, может быть неверным.">
+            <a:extLst>
+              <a:ext uri="{FF2B5EF4-FFF2-40B4-BE49-F238E27FC236}">
+                <a16:creationId xmlns:a16="http://schemas.microsoft.com/office/drawing/2014/main" id="{4566076E-6AA5-E0C4-D478-659173849F79}"/>
+              </a:ext>
+            </a:extLst>
+          </p:cNvPr>
+          <p:cNvPicPr>
+            <a:picLocks noChangeAspect="1"/>
+          </p:cNvPicPr>
+          <p:nvPr/>
+        </p:nvPicPr>
+        <p:blipFill>
+          <a:blip r:embed="rId2"/>
+          <a:stretch>
+            <a:fillRect/>
+          </a:stretch>
+        </p:blipFill>
+        <p:spPr>
+          <a:xfrm>
+            <a:off x="2620370" y="1354091"/>
+            <a:ext cx="3617095" cy="2841311"/>
+          </a:xfrm>
+          <a:prstGeom prst="rect">
+            <a:avLst/>
+          </a:prstGeom>
+        </p:spPr>
+      </p:pic>
+    </p:spTree>
+    <p:extLst>
+      <p:ext uri="{BB962C8B-B14F-4D97-AF65-F5344CB8AC3E}">
+        <p14:creationId xmlns:p14="http://schemas.microsoft.com/office/powerpoint/2010/main" val="3137134266"/>
+      </p:ext>
+    </p:extLst>
+  </p:cSld>
+  <p:clrMapOvr>
+    <a:masterClrMapping/>
+  </p:clrMapOvr>
+</p:sld>
+</file>
+
+<file path=ppt/slides/slide9.xml><?xml version="1.0" encoding="utf-8"?>
+<p:sld xmlns:a="http://schemas.openxmlformats.org/drawingml/2006/main" xmlns:r="http://schemas.openxmlformats.org/officeDocument/2006/relationships" xmlns:p="http://schemas.openxmlformats.org/presentationml/2006/main">
+  <p:cSld>
+    <p:spTree>
+      <p:nvGrpSpPr>
+        <p:cNvPr id="1" name="">
+          <a:extLst>
+            <a:ext uri="{FF2B5EF4-FFF2-40B4-BE49-F238E27FC236}">
+              <a16:creationId xmlns:a16="http://schemas.microsoft.com/office/drawing/2014/main" id="{72F02971-B537-71B9-BD92-8BF3724AF102}"/>
+            </a:ext>
+          </a:extLst>
+        </p:cNvPr>
+        <p:cNvGrpSpPr/>
+        <p:nvPr/>
+      </p:nvGrpSpPr>
+      <p:grpSpPr>
+        <a:xfrm>
+          <a:off x="0" y="0"/>
+          <a:ext cx="0" cy="0"/>
+          <a:chOff x="0" y="0"/>
+          <a:chExt cx="0" cy="0"/>
+        </a:xfrm>
+      </p:grpSpPr>
+      <p:sp>
+        <p:nvSpPr>
+          <p:cNvPr id="10" name="TextBox 9">
+            <a:extLst>
+              <a:ext uri="{FF2B5EF4-FFF2-40B4-BE49-F238E27FC236}">
+                <a16:creationId xmlns:a16="http://schemas.microsoft.com/office/drawing/2014/main" id="{C34A33B2-9FF5-4B18-A249-AA4A29BC4555}"/>
+              </a:ext>
+            </a:extLst>
+          </p:cNvPr>
+          <p:cNvSpPr txBox="1"/>
+          <p:nvPr/>
+        </p:nvSpPr>
+        <p:spPr>
+          <a:xfrm>
+            <a:off x="3465391" y="751277"/>
+            <a:ext cx="2213218" cy="369332"/>
+          </a:xfrm>
+          <a:prstGeom prst="rect">
+            <a:avLst/>
+          </a:prstGeom>
+          <a:noFill/>
+        </p:spPr>
+        <p:txBody>
+          <a:bodyPr wrap="square" rtlCol="0">
+            <a:spAutoFit/>
+          </a:bodyPr>
+          <a:lstStyle/>
+          <a:p>
+            <a:pPr algn="ctr"/>
+            <a:r>
+              <a:rPr lang="en-US" dirty="0">
+                <a:solidFill>
+                  <a:srgbClr val="000000"/>
+                </a:solidFill>
+                <a:latin typeface="Cambria" panose="02040503050406030204" pitchFamily="18" charset="0"/>
+                <a:ea typeface="Cambria" panose="02040503050406030204" pitchFamily="18" charset="0"/>
+              </a:rPr>
+              <a:t>Categories &amp; Tags</a:t>
+            </a:r>
+            <a:endParaRPr lang="ru-RU" dirty="0">
+              <a:solidFill>
+                <a:srgbClr val="000000"/>
+              </a:solidFill>
+            </a:endParaRPr>
+          </a:p>
+        </p:txBody>
+      </p:sp>
+      <p:pic>
+        <p:nvPicPr>
+          <p:cNvPr id="4" name="Picture 3">
+            <a:extLst>
+              <a:ext uri="{FF2B5EF4-FFF2-40B4-BE49-F238E27FC236}">
+                <a16:creationId xmlns:a16="http://schemas.microsoft.com/office/drawing/2014/main" id="{899A3518-9290-6B08-871C-8E8B1DDBCFA7}"/>
+              </a:ext>
+            </a:extLst>
+          </p:cNvPr>
+          <p:cNvPicPr>
+            <a:picLocks noChangeAspect="1"/>
+          </p:cNvPicPr>
+          <p:nvPr/>
+        </p:nvPicPr>
+        <p:blipFill>
+          <a:blip r:embed="rId2"/>
+          <a:stretch>
+            <a:fillRect/>
+          </a:stretch>
+        </p:blipFill>
+        <p:spPr>
+          <a:xfrm>
+            <a:off x="1596748" y="1197391"/>
+            <a:ext cx="1321351" cy="3179251"/>
+          </a:xfrm>
+          <a:prstGeom prst="rect">
+            <a:avLst/>
+          </a:prstGeom>
+        </p:spPr>
+      </p:pic>
+      <p:pic>
+        <p:nvPicPr>
+          <p:cNvPr id="6" name="Picture 5">
+            <a:extLst>
+              <a:ext uri="{FF2B5EF4-FFF2-40B4-BE49-F238E27FC236}">
+                <a16:creationId xmlns:a16="http://schemas.microsoft.com/office/drawing/2014/main" id="{1B0ADAC4-AC74-5776-8FC0-5F3CFBA5A967}"/>
+              </a:ext>
+            </a:extLst>
+          </p:cNvPr>
+          <p:cNvPicPr>
+            <a:picLocks noChangeAspect="1"/>
+          </p:cNvPicPr>
+          <p:nvPr/>
+        </p:nvPicPr>
+        <p:blipFill>
+          <a:blip r:embed="rId3"/>
+          <a:stretch>
+            <a:fillRect/>
+          </a:stretch>
+        </p:blipFill>
+        <p:spPr>
+          <a:xfrm>
+            <a:off x="3599182" y="2988395"/>
+            <a:ext cx="4345938" cy="1311464"/>
+          </a:xfrm>
+          <a:prstGeom prst="rect">
+            <a:avLst/>
+          </a:prstGeom>
+        </p:spPr>
+      </p:pic>
+      <p:pic>
+        <p:nvPicPr>
+          <p:cNvPr id="8" name="Picture 7">
+            <a:extLst>
+              <a:ext uri="{FF2B5EF4-FFF2-40B4-BE49-F238E27FC236}">
+                <a16:creationId xmlns:a16="http://schemas.microsoft.com/office/drawing/2014/main" id="{992C30D3-2B8E-7F1A-B020-B59344A7FC7E}"/>
+              </a:ext>
+            </a:extLst>
+          </p:cNvPr>
+          <p:cNvPicPr>
+            <a:picLocks noChangeAspect="1"/>
+          </p:cNvPicPr>
+          <p:nvPr/>
+        </p:nvPicPr>
+        <p:blipFill>
+          <a:blip r:embed="rId4"/>
+          <a:stretch>
+            <a:fillRect/>
+          </a:stretch>
+        </p:blipFill>
+        <p:spPr>
+          <a:xfrm>
+            <a:off x="3599182" y="1260376"/>
+            <a:ext cx="4345938" cy="1588252"/>
+          </a:xfrm>
+          <a:prstGeom prst="rect">
+            <a:avLst/>
+          </a:prstGeom>
+        </p:spPr>
+      </p:pic>
+    </p:spTree>
+    <p:extLst>
+      <p:ext uri="{BB962C8B-B14F-4D97-AF65-F5344CB8AC3E}">
+        <p14:creationId xmlns:p14="http://schemas.microsoft.com/office/powerpoint/2010/main" val="3844535844"/>
       </p:ext>
     </p:extLst>
   </p:cSld>
